--- a/Presentation.pptx
+++ b/Presentation.pptx
@@ -1,45 +1,45 @@
 
 <file path=ppt/presentation.xml><?xml version="1.0" encoding="utf-8"?>
-<p:presentation xmlns:a="http://schemas.openxmlformats.org/drawingml/2006/main" xmlns:r="http://schemas.openxmlformats.org/officeDocument/2006/relationships" xmlns:p="http://schemas.openxmlformats.org/presentationml/2006/main" saveSubsetFonts="1" embedTrueTypeFonts="true">
+<p:presentation xmlns:a="http://schemas.openxmlformats.org/drawingml/2006/main" xmlns:r="http://schemas.openxmlformats.org/officeDocument/2006/relationships" xmlns:p="http://schemas.openxmlformats.org/presentationml/2006/main" embedTrueTypeFonts="1" saveSubsetFonts="1">
   <p:sldMasterIdLst>
     <p:sldMasterId id="2147483648" r:id="rId1"/>
   </p:sldMasterIdLst>
   <p:notesMasterIdLst>
-    <p:notesMasterId r:id="rId15"/>
+    <p:notesMasterId r:id="rId11"/>
   </p:notesMasterIdLst>
   <p:sldIdLst>
-    <p:sldId id="256" r:id="rId6"/>
-    <p:sldId id="257" r:id="rId7"/>
-    <p:sldId id="258" r:id="rId8"/>
-    <p:sldId id="259" r:id="rId9"/>
-    <p:sldId id="260" r:id="rId10"/>
-    <p:sldId id="261" r:id="rId11"/>
-    <p:sldId id="262" r:id="rId12"/>
-    <p:sldId id="263" r:id="rId13"/>
-    <p:sldId id="264" r:id="rId14"/>
+    <p:sldId id="256" r:id="rId2"/>
+    <p:sldId id="257" r:id="rId3"/>
+    <p:sldId id="258" r:id="rId4"/>
+    <p:sldId id="259" r:id="rId5"/>
+    <p:sldId id="260" r:id="rId6"/>
+    <p:sldId id="261" r:id="rId7"/>
+    <p:sldId id="262" r:id="rId8"/>
+    <p:sldId id="263" r:id="rId9"/>
+    <p:sldId id="264" r:id="rId10"/>
   </p:sldIdLst>
   <p:sldSz cx="18288000" cy="10287000"/>
   <p:notesSz cx="6858000" cy="9144000"/>
   <p:embeddedFontLst>
     <p:embeddedFont>
-      <p:font typeface="Lovelace Bold" charset="1" panose="00000700000000000000"/>
-      <p:regular r:id="rId18"/>
+      <p:font typeface="Canva Sans" panose="020B0604020202020204" charset="0"/>
+      <p:regular r:id="rId12"/>
     </p:embeddedFont>
     <p:embeddedFont>
-      <p:font typeface="Lovelace" charset="1" panose="00000500000000000000"/>
-      <p:regular r:id="rId19"/>
+      <p:font typeface="Lovelace" panose="020B0604020202020204" charset="0"/>
+      <p:regular r:id="rId13"/>
     </p:embeddedFont>
     <p:embeddedFont>
-      <p:font typeface="TT Hoves" charset="1" panose="02000003020000060003"/>
-      <p:regular r:id="rId20"/>
+      <p:font typeface="Lovelace Bold" panose="020B0604020202020204" charset="0"/>
+      <p:regular r:id="rId14"/>
     </p:embeddedFont>
     <p:embeddedFont>
-      <p:font typeface="TT Hoves Bold" charset="1" panose="02000003020000060003"/>
-      <p:regular r:id="rId21"/>
+      <p:font typeface="TT Hoves" panose="020B0604020202020204" charset="0"/>
+      <p:regular r:id="rId15"/>
     </p:embeddedFont>
     <p:embeddedFont>
-      <p:font typeface="Canva Sans" charset="1" panose="020B0503030501040103"/>
-      <p:regular r:id="rId23"/>
+      <p:font typeface="TT Hoves Bold" panose="020B0604020202020204" charset="0"/>
+      <p:regular r:id="rId16"/>
     </p:embeddedFont>
   </p:embeddedFontLst>
   <p:defaultTextStyle>
@@ -137,6 +137,22 @@
       </a:defRPr>
     </a:lvl9pPr>
   </p:defaultTextStyle>
+  <p:extLst>
+    <p:ext uri="{EFAFB233-063F-42B5-8137-9DF3F51BA10A}">
+      <p15:sldGuideLst xmlns:p15="http://schemas.microsoft.com/office/powerpoint/2012/main">
+        <p15:guide id="1" orient="horz" pos="2160">
+          <p15:clr>
+            <a:srgbClr val="A4A3A4"/>
+          </p15:clr>
+        </p15:guide>
+        <p15:guide id="2" pos="2880">
+          <p15:clr>
+            <a:srgbClr val="A4A3A4"/>
+          </p15:clr>
+        </p15:guide>
+      </p15:sldGuideLst>
+    </p:ext>
+  </p:extLst>
 </p:presentation>
 </file>
 
@@ -222,7 +238,7 @@
           <a:p>
             <a:fld id="{B7268E1E-0E44-426D-905E-8AD9B19D2182}" type="datetimeFigureOut">
               <a:rPr lang="cs-CZ" smtClean="0"/>
-              <a:t>1.7.2013</a:t>
+              <a:t>02.01.2025</a:t>
             </a:fld>
             <a:endParaRPr lang="cs-CZ"/>
           </a:p>
@@ -286,35 +302,35 @@
           <a:p>
             <a:pPr lvl="0"/>
             <a:r>
-              <a:rPr lang="en-US" smtClean="0"/>
+              <a:rPr lang="en-US"/>
               <a:t>Click to edit Master text styles</a:t>
             </a:r>
           </a:p>
           <a:p>
             <a:pPr lvl="1"/>
             <a:r>
-              <a:rPr lang="en-US" smtClean="0"/>
+              <a:rPr lang="en-US"/>
               <a:t>Second level</a:t>
             </a:r>
           </a:p>
           <a:p>
             <a:pPr lvl="2"/>
             <a:r>
-              <a:rPr lang="en-US" smtClean="0"/>
+              <a:rPr lang="en-US"/>
               <a:t>Third level</a:t>
             </a:r>
           </a:p>
           <a:p>
             <a:pPr lvl="3"/>
             <a:r>
-              <a:rPr lang="en-US" smtClean="0"/>
+              <a:rPr lang="en-US"/>
               <a:t>Fourth level</a:t>
             </a:r>
           </a:p>
           <a:p>
             <a:pPr lvl="4"/>
             <a:r>
-              <a:rPr lang="en-US" smtClean="0"/>
+              <a:rPr lang="en-US"/>
               <a:t>Fifth level</a:t>
             </a:r>
             <a:endParaRPr lang="cs-CZ"/>
@@ -491,9 +507,9 @@
 </file>
 
 <file path=ppt/notesSlides/notesSlide1.xml><?xml version="1.0" encoding="utf-8"?>
-<p:notes xmlns:p="http://schemas.openxmlformats.org/presentationml/2006/main" xmlns:a="http://schemas.openxmlformats.org/drawingml/2006/main">
+<p:notes xmlns:a="http://schemas.openxmlformats.org/drawingml/2006/main" xmlns:r="http://schemas.openxmlformats.org/officeDocument/2006/relationships" xmlns:p="http://schemas.openxmlformats.org/presentationml/2006/main">
   <p:cSld>
-    <p:spTree xmlns:r="http://schemas.openxmlformats.org/officeDocument/2006/relationships">
+    <p:spTree>
       <p:nvGrpSpPr>
         <p:cNvPr id="1" name=""/>
         <p:cNvGrpSpPr/>
@@ -533,7 +549,9 @@
               <a:defRPr sz="1200"/>
             </a:lvl1pPr>
           </a:lstStyle>
-          <a:p/>
+          <a:p>
+            <a:endParaRPr/>
+          </a:p>
         </p:txBody>
       </p:sp>
       <p:sp>
@@ -563,8 +581,8 @@
             </a:lvl1pPr>
           </a:lstStyle>
           <a:p>
-            <a:r id="{B7268E1E-0E44-426D-905E-8AD9B19D2182}" type="datetimeFigureOut">
-              <a:rPr lang="cs-CZ" smtClean="0"/>
+            <a:r>
+              <a:rPr lang="cs-CZ"/>
               <a:t>1.7.2013</a:t>
             </a:r>
           </a:p>
@@ -582,8 +600,8 @@
         </p:nvSpPr>
         <p:spPr>
           <a:xfrm>
-            <a:off x="2857500" y="512763"/>
-            <a:ext cx="3429000" cy="2566987"/>
+            <a:off x="2290763" y="512763"/>
+            <a:ext cx="4562475" cy="2566987"/>
           </a:xfrm>
           <a:prstGeom prst="rect">
             <a:avLst/>
@@ -598,7 +616,9 @@
         <p:txBody>
           <a:bodyPr vert="horz" lIns="91440" tIns="45720" rIns="91440" bIns="45720" rtlCol="0" anchor="ctr"/>
           <a:lstStyle/>
-          <a:p/>
+          <a:p>
+            <a:endParaRPr/>
+          </a:p>
         </p:txBody>
       </p:sp>
       <p:sp>
@@ -624,11 +644,7 @@
           <a:bodyPr vert="horz" lIns="91440" tIns="45720" rIns="91440" bIns="45720" rtlCol="0"/>
           <a:lstStyle/>
           <a:p>
-            <a:r>
-              <a:rPr lang="en-US"/>
-              <a:t>Hello everyone! I’m Savya. I am here to present to you the project that I have completed as part of my Data Analytics Bootcamp in Codebasics using PowerBI. This project is going to be about AtliQ Hotels, which is going to be in the hospitality domain. Before going to the dashboard, first, let's understand what Atliq Hotels is.</a:t>
-            </a:r>
-            <a:endParaRPr lang="en-US" smtClean="0"/>
+            <a:endParaRPr lang="en-US" dirty="0"/>
           </a:p>
         </p:txBody>
       </p:sp>
@@ -658,7 +674,9 @@
               <a:defRPr sz="1200"/>
             </a:lvl1pPr>
           </a:lstStyle>
-          <a:p/>
+          <a:p>
+            <a:endParaRPr/>
+          </a:p>
         </p:txBody>
       </p:sp>
       <p:sp>
@@ -688,8 +706,8 @@
             </a:lvl1pPr>
           </a:lstStyle>
           <a:p>
-            <a:r id="{871B2431-D351-4C6E-A3CF-9DFAC0E3E050}" type="slidenum">
-              <a:rPr lang="cs-CZ" smtClean="0"/>
+            <a:r>
+              <a:rPr lang="cs-CZ"/>
               <a:t>‹#›</a:t>
             </a:r>
           </a:p>
@@ -704,9 +722,9 @@
 </file>
 
 <file path=ppt/notesSlides/notesSlide2.xml><?xml version="1.0" encoding="utf-8"?>
-<p:notes xmlns:p="http://schemas.openxmlformats.org/presentationml/2006/main" xmlns:a="http://schemas.openxmlformats.org/drawingml/2006/main">
+<p:notes xmlns:a="http://schemas.openxmlformats.org/drawingml/2006/main" xmlns:r="http://schemas.openxmlformats.org/officeDocument/2006/relationships" xmlns:p="http://schemas.openxmlformats.org/presentationml/2006/main">
   <p:cSld>
-    <p:spTree xmlns:r="http://schemas.openxmlformats.org/officeDocument/2006/relationships">
+    <p:spTree>
       <p:nvGrpSpPr>
         <p:cNvPr id="1" name=""/>
         <p:cNvGrpSpPr/>
@@ -746,7 +764,9 @@
               <a:defRPr sz="1200"/>
             </a:lvl1pPr>
           </a:lstStyle>
-          <a:p/>
+          <a:p>
+            <a:endParaRPr/>
+          </a:p>
         </p:txBody>
       </p:sp>
       <p:sp>
@@ -776,8 +796,8 @@
             </a:lvl1pPr>
           </a:lstStyle>
           <a:p>
-            <a:r id="{B7268E1E-0E44-426D-905E-8AD9B19D2182}" type="datetimeFigureOut">
-              <a:rPr lang="cs-CZ" smtClean="0"/>
+            <a:r>
+              <a:rPr lang="cs-CZ"/>
               <a:t>1.7.2013</a:t>
             </a:r>
           </a:p>
@@ -795,8 +815,8 @@
         </p:nvSpPr>
         <p:spPr>
           <a:xfrm>
-            <a:off x="2857500" y="512763"/>
-            <a:ext cx="3429000" cy="2566987"/>
+            <a:off x="2290763" y="512763"/>
+            <a:ext cx="4562475" cy="2566987"/>
           </a:xfrm>
           <a:prstGeom prst="rect">
             <a:avLst/>
@@ -811,7 +831,9 @@
         <p:txBody>
           <a:bodyPr vert="horz" lIns="91440" tIns="45720" rIns="91440" bIns="45720" rtlCol="0" anchor="ctr"/>
           <a:lstStyle/>
-          <a:p/>
+          <a:p>
+            <a:endParaRPr/>
+          </a:p>
         </p:txBody>
       </p:sp>
       <p:sp>
@@ -837,16 +859,7 @@
           <a:bodyPr vert="horz" lIns="91440" tIns="45720" rIns="91440" bIns="45720" rtlCol="0"/>
           <a:lstStyle/>
           <a:p>
-            <a:r>
-              <a:rPr lang="en-US"/>
-              <a:t>AtliQ owns five-star hotels across 4 cities in India, i.e., Hyderabad, Mumbai, Delhi, and Bangalore. They have been in this industry for 20 years now. Due to the market strategies of competitors, AtliQ was losing its market share and revenue. So they wanted to incorporate a Data Analytics team to boost their performance and strengthen their position in the market. I am acting as a Data Analyst here to provide insights to their team.</a:t>
-            </a:r>
-          </a:p>
-          <a:p>
-            <a:r>
-              <a:rPr lang="en-US"/>
-              <a:t>So these are all the different properties owned by Atliq in different cities. All these in white go under the luxury category and yellow belong to the business category. </a:t>
-            </a:r>
+            <a:endParaRPr lang="en-US" dirty="0"/>
           </a:p>
         </p:txBody>
       </p:sp>
@@ -876,7 +889,9 @@
               <a:defRPr sz="1200"/>
             </a:lvl1pPr>
           </a:lstStyle>
-          <a:p/>
+          <a:p>
+            <a:endParaRPr/>
+          </a:p>
         </p:txBody>
       </p:sp>
       <p:sp>
@@ -906,8 +921,8 @@
             </a:lvl1pPr>
           </a:lstStyle>
           <a:p>
-            <a:r id="{871B2431-D351-4C6E-A3CF-9DFAC0E3E050}" type="slidenum">
-              <a:rPr lang="cs-CZ" smtClean="0"/>
+            <a:r>
+              <a:rPr lang="cs-CZ"/>
               <a:t>‹#›</a:t>
             </a:r>
           </a:p>
@@ -959,10 +974,9 @@
           <a:lstStyle/>
           <a:p>
             <a:r>
-              <a:rPr lang="en-US" smtClean="0"/>
+              <a:rPr lang="en-US"/>
               <a:t>Click to edit Master title style</a:t>
             </a:r>
-            <a:endParaRPr lang="en-US"/>
           </a:p>
         </p:txBody>
       </p:sp>
@@ -1078,10 +1092,9 @@
           </a:lstStyle>
           <a:p>
             <a:r>
-              <a:rPr lang="en-US" smtClean="0"/>
+              <a:rPr lang="en-US"/>
               <a:t>Click to edit Master subtitle style</a:t>
             </a:r>
-            <a:endParaRPr lang="en-US"/>
           </a:p>
         </p:txBody>
       </p:sp>
@@ -1103,7 +1116,7 @@
             <a:fld id="{1D8BD707-D9CF-40AE-B4C6-C98DA3205C09}" type="datetimeFigureOut">
               <a:rPr lang="en-US" smtClean="0"/>
               <a:pPr/>
-              <a:t>8/1/2011</a:t>
+              <a:t>1/2/2025</a:t>
             </a:fld>
             <a:endParaRPr lang="en-US"/>
           </a:p>
@@ -1193,10 +1206,9 @@
           <a:lstStyle/>
           <a:p>
             <a:r>
-              <a:rPr lang="en-US" smtClean="0"/>
+              <a:rPr lang="en-US"/>
               <a:t>Click to edit Master title style</a:t>
             </a:r>
-            <a:endParaRPr lang="en-US"/>
           </a:p>
         </p:txBody>
       </p:sp>
@@ -1217,38 +1229,37 @@
           <a:p>
             <a:pPr lvl="0"/>
             <a:r>
-              <a:rPr lang="en-US" smtClean="0"/>
+              <a:rPr lang="en-US"/>
               <a:t>Click to edit Master text styles</a:t>
             </a:r>
           </a:p>
           <a:p>
             <a:pPr lvl="1"/>
             <a:r>
-              <a:rPr lang="en-US" smtClean="0"/>
+              <a:rPr lang="en-US"/>
               <a:t>Second level</a:t>
             </a:r>
           </a:p>
           <a:p>
             <a:pPr lvl="2"/>
             <a:r>
-              <a:rPr lang="en-US" smtClean="0"/>
+              <a:rPr lang="en-US"/>
               <a:t>Third level</a:t>
             </a:r>
           </a:p>
           <a:p>
             <a:pPr lvl="3"/>
             <a:r>
-              <a:rPr lang="en-US" smtClean="0"/>
+              <a:rPr lang="en-US"/>
               <a:t>Fourth level</a:t>
             </a:r>
           </a:p>
           <a:p>
             <a:pPr lvl="4"/>
             <a:r>
-              <a:rPr lang="en-US" smtClean="0"/>
+              <a:rPr lang="en-US"/>
               <a:t>Fifth level</a:t>
             </a:r>
-            <a:endParaRPr lang="en-US"/>
           </a:p>
         </p:txBody>
       </p:sp>
@@ -1270,7 +1281,7 @@
             <a:fld id="{1D8BD707-D9CF-40AE-B4C6-C98DA3205C09}" type="datetimeFigureOut">
               <a:rPr lang="en-US" smtClean="0"/>
               <a:pPr/>
-              <a:t>8/1/2011</a:t>
+              <a:t>1/2/2025</a:t>
             </a:fld>
             <a:endParaRPr lang="en-US"/>
           </a:p>
@@ -1365,10 +1376,9 @@
           <a:lstStyle/>
           <a:p>
             <a:r>
-              <a:rPr lang="en-US" smtClean="0"/>
+              <a:rPr lang="en-US"/>
               <a:t>Click to edit Master title style</a:t>
             </a:r>
-            <a:endParaRPr lang="en-US"/>
           </a:p>
         </p:txBody>
       </p:sp>
@@ -1394,38 +1404,37 @@
           <a:p>
             <a:pPr lvl="0"/>
             <a:r>
-              <a:rPr lang="en-US" smtClean="0"/>
+              <a:rPr lang="en-US"/>
               <a:t>Click to edit Master text styles</a:t>
             </a:r>
           </a:p>
           <a:p>
             <a:pPr lvl="1"/>
             <a:r>
-              <a:rPr lang="en-US" smtClean="0"/>
+              <a:rPr lang="en-US"/>
               <a:t>Second level</a:t>
             </a:r>
           </a:p>
           <a:p>
             <a:pPr lvl="2"/>
             <a:r>
-              <a:rPr lang="en-US" smtClean="0"/>
+              <a:rPr lang="en-US"/>
               <a:t>Third level</a:t>
             </a:r>
           </a:p>
           <a:p>
             <a:pPr lvl="3"/>
             <a:r>
-              <a:rPr lang="en-US" smtClean="0"/>
+              <a:rPr lang="en-US"/>
               <a:t>Fourth level</a:t>
             </a:r>
           </a:p>
           <a:p>
             <a:pPr lvl="4"/>
             <a:r>
-              <a:rPr lang="en-US" smtClean="0"/>
+              <a:rPr lang="en-US"/>
               <a:t>Fifth level</a:t>
             </a:r>
-            <a:endParaRPr lang="en-US"/>
           </a:p>
         </p:txBody>
       </p:sp>
@@ -1447,7 +1456,7 @@
             <a:fld id="{1D8BD707-D9CF-40AE-B4C6-C98DA3205C09}" type="datetimeFigureOut">
               <a:rPr lang="en-US" smtClean="0"/>
               <a:pPr/>
-              <a:t>8/1/2011</a:t>
+              <a:t>1/2/2025</a:t>
             </a:fld>
             <a:endParaRPr lang="en-US"/>
           </a:p>
@@ -1537,10 +1546,9 @@
           <a:lstStyle/>
           <a:p>
             <a:r>
-              <a:rPr lang="en-US" smtClean="0"/>
+              <a:rPr lang="en-US"/>
               <a:t>Click to edit Master title style</a:t>
             </a:r>
-            <a:endParaRPr lang="en-US"/>
           </a:p>
         </p:txBody>
       </p:sp>
@@ -1561,38 +1569,37 @@
           <a:p>
             <a:pPr lvl="0"/>
             <a:r>
-              <a:rPr lang="en-US" smtClean="0"/>
+              <a:rPr lang="en-US"/>
               <a:t>Click to edit Master text styles</a:t>
             </a:r>
           </a:p>
           <a:p>
             <a:pPr lvl="1"/>
             <a:r>
-              <a:rPr lang="en-US" smtClean="0"/>
+              <a:rPr lang="en-US"/>
               <a:t>Second level</a:t>
             </a:r>
           </a:p>
           <a:p>
             <a:pPr lvl="2"/>
             <a:r>
-              <a:rPr lang="en-US" smtClean="0"/>
+              <a:rPr lang="en-US"/>
               <a:t>Third level</a:t>
             </a:r>
           </a:p>
           <a:p>
             <a:pPr lvl="3"/>
             <a:r>
-              <a:rPr lang="en-US" smtClean="0"/>
+              <a:rPr lang="en-US"/>
               <a:t>Fourth level</a:t>
             </a:r>
           </a:p>
           <a:p>
             <a:pPr lvl="4"/>
             <a:r>
-              <a:rPr lang="en-US" smtClean="0"/>
+              <a:rPr lang="en-US"/>
               <a:t>Fifth level</a:t>
             </a:r>
-            <a:endParaRPr lang="en-US"/>
           </a:p>
         </p:txBody>
       </p:sp>
@@ -1614,7 +1621,7 @@
             <a:fld id="{1D8BD707-D9CF-40AE-B4C6-C98DA3205C09}" type="datetimeFigureOut">
               <a:rPr lang="en-US" smtClean="0"/>
               <a:pPr/>
-              <a:t>8/1/2011</a:t>
+              <a:t>1/2/2025</a:t>
             </a:fld>
             <a:endParaRPr lang="en-US"/>
           </a:p>
@@ -1713,10 +1720,9 @@
           </a:lstStyle>
           <a:p>
             <a:r>
-              <a:rPr lang="en-US" smtClean="0"/>
+              <a:rPr lang="en-US"/>
               <a:t>Click to edit Master title style</a:t>
             </a:r>
-            <a:endParaRPr lang="en-US"/>
           </a:p>
         </p:txBody>
       </p:sp>
@@ -1833,7 +1839,7 @@
           <a:p>
             <a:pPr lvl="0"/>
             <a:r>
-              <a:rPr lang="en-US" smtClean="0"/>
+              <a:rPr lang="en-US"/>
               <a:t>Click to edit Master text styles</a:t>
             </a:r>
           </a:p>
@@ -1857,7 +1863,7 @@
             <a:fld id="{1D8BD707-D9CF-40AE-B4C6-C98DA3205C09}" type="datetimeFigureOut">
               <a:rPr lang="en-US" smtClean="0"/>
               <a:pPr/>
-              <a:t>8/1/2011</a:t>
+              <a:t>1/2/2025</a:t>
             </a:fld>
             <a:endParaRPr lang="en-US"/>
           </a:p>
@@ -1947,10 +1953,9 @@
           <a:lstStyle/>
           <a:p>
             <a:r>
-              <a:rPr lang="en-US" smtClean="0"/>
+              <a:rPr lang="en-US"/>
               <a:t>Click to edit Master title style</a:t>
             </a:r>
-            <a:endParaRPr lang="en-US"/>
           </a:p>
         </p:txBody>
       </p:sp>
@@ -2004,38 +2009,37 @@
           <a:p>
             <a:pPr lvl="0"/>
             <a:r>
-              <a:rPr lang="en-US" smtClean="0"/>
+              <a:rPr lang="en-US"/>
               <a:t>Click to edit Master text styles</a:t>
             </a:r>
           </a:p>
           <a:p>
             <a:pPr lvl="1"/>
             <a:r>
-              <a:rPr lang="en-US" smtClean="0"/>
+              <a:rPr lang="en-US"/>
               <a:t>Second level</a:t>
             </a:r>
           </a:p>
           <a:p>
             <a:pPr lvl="2"/>
             <a:r>
-              <a:rPr lang="en-US" smtClean="0"/>
+              <a:rPr lang="en-US"/>
               <a:t>Third level</a:t>
             </a:r>
           </a:p>
           <a:p>
             <a:pPr lvl="3"/>
             <a:r>
-              <a:rPr lang="en-US" smtClean="0"/>
+              <a:rPr lang="en-US"/>
               <a:t>Fourth level</a:t>
             </a:r>
           </a:p>
           <a:p>
             <a:pPr lvl="4"/>
             <a:r>
-              <a:rPr lang="en-US" smtClean="0"/>
+              <a:rPr lang="en-US"/>
               <a:t>Fifth level</a:t>
             </a:r>
-            <a:endParaRPr lang="en-US"/>
           </a:p>
         </p:txBody>
       </p:sp>
@@ -2089,38 +2093,37 @@
           <a:p>
             <a:pPr lvl="0"/>
             <a:r>
-              <a:rPr lang="en-US" smtClean="0"/>
+              <a:rPr lang="en-US"/>
               <a:t>Click to edit Master text styles</a:t>
             </a:r>
           </a:p>
           <a:p>
             <a:pPr lvl="1"/>
             <a:r>
-              <a:rPr lang="en-US" smtClean="0"/>
+              <a:rPr lang="en-US"/>
               <a:t>Second level</a:t>
             </a:r>
           </a:p>
           <a:p>
             <a:pPr lvl="2"/>
             <a:r>
-              <a:rPr lang="en-US" smtClean="0"/>
+              <a:rPr lang="en-US"/>
               <a:t>Third level</a:t>
             </a:r>
           </a:p>
           <a:p>
             <a:pPr lvl="3"/>
             <a:r>
-              <a:rPr lang="en-US" smtClean="0"/>
+              <a:rPr lang="en-US"/>
               <a:t>Fourth level</a:t>
             </a:r>
           </a:p>
           <a:p>
             <a:pPr lvl="4"/>
             <a:r>
-              <a:rPr lang="en-US" smtClean="0"/>
+              <a:rPr lang="en-US"/>
               <a:t>Fifth level</a:t>
             </a:r>
-            <a:endParaRPr lang="en-US"/>
           </a:p>
         </p:txBody>
       </p:sp>
@@ -2142,7 +2145,7 @@
             <a:fld id="{1D8BD707-D9CF-40AE-B4C6-C98DA3205C09}" type="datetimeFigureOut">
               <a:rPr lang="en-US" smtClean="0"/>
               <a:pPr/>
-              <a:t>8/1/2011</a:t>
+              <a:t>1/2/2025</a:t>
             </a:fld>
             <a:endParaRPr lang="en-US"/>
           </a:p>
@@ -2236,10 +2239,9 @@
           </a:lstStyle>
           <a:p>
             <a:r>
-              <a:rPr lang="en-US" smtClean="0"/>
+              <a:rPr lang="en-US"/>
               <a:t>Click to edit Master title style</a:t>
             </a:r>
-            <a:endParaRPr lang="en-US"/>
           </a:p>
         </p:txBody>
       </p:sp>
@@ -2302,7 +2304,7 @@
           <a:p>
             <a:pPr lvl="0"/>
             <a:r>
-              <a:rPr lang="en-US" smtClean="0"/>
+              <a:rPr lang="en-US"/>
               <a:t>Click to edit Master text styles</a:t>
             </a:r>
           </a:p>
@@ -2358,38 +2360,37 @@
           <a:p>
             <a:pPr lvl="0"/>
             <a:r>
-              <a:rPr lang="en-US" smtClean="0"/>
+              <a:rPr lang="en-US"/>
               <a:t>Click to edit Master text styles</a:t>
             </a:r>
           </a:p>
           <a:p>
             <a:pPr lvl="1"/>
             <a:r>
-              <a:rPr lang="en-US" smtClean="0"/>
+              <a:rPr lang="en-US"/>
               <a:t>Second level</a:t>
             </a:r>
           </a:p>
           <a:p>
             <a:pPr lvl="2"/>
             <a:r>
-              <a:rPr lang="en-US" smtClean="0"/>
+              <a:rPr lang="en-US"/>
               <a:t>Third level</a:t>
             </a:r>
           </a:p>
           <a:p>
             <a:pPr lvl="3"/>
             <a:r>
-              <a:rPr lang="en-US" smtClean="0"/>
+              <a:rPr lang="en-US"/>
               <a:t>Fourth level</a:t>
             </a:r>
           </a:p>
           <a:p>
             <a:pPr lvl="4"/>
             <a:r>
-              <a:rPr lang="en-US" smtClean="0"/>
+              <a:rPr lang="en-US"/>
               <a:t>Fifth level</a:t>
             </a:r>
-            <a:endParaRPr lang="en-US"/>
           </a:p>
         </p:txBody>
       </p:sp>
@@ -2452,7 +2453,7 @@
           <a:p>
             <a:pPr lvl="0"/>
             <a:r>
-              <a:rPr lang="en-US" smtClean="0"/>
+              <a:rPr lang="en-US"/>
               <a:t>Click to edit Master text styles</a:t>
             </a:r>
           </a:p>
@@ -2508,38 +2509,37 @@
           <a:p>
             <a:pPr lvl="0"/>
             <a:r>
-              <a:rPr lang="en-US" smtClean="0"/>
+              <a:rPr lang="en-US"/>
               <a:t>Click to edit Master text styles</a:t>
             </a:r>
           </a:p>
           <a:p>
             <a:pPr lvl="1"/>
             <a:r>
-              <a:rPr lang="en-US" smtClean="0"/>
+              <a:rPr lang="en-US"/>
               <a:t>Second level</a:t>
             </a:r>
           </a:p>
           <a:p>
             <a:pPr lvl="2"/>
             <a:r>
-              <a:rPr lang="en-US" smtClean="0"/>
+              <a:rPr lang="en-US"/>
               <a:t>Third level</a:t>
             </a:r>
           </a:p>
           <a:p>
             <a:pPr lvl="3"/>
             <a:r>
-              <a:rPr lang="en-US" smtClean="0"/>
+              <a:rPr lang="en-US"/>
               <a:t>Fourth level</a:t>
             </a:r>
           </a:p>
           <a:p>
             <a:pPr lvl="4"/>
             <a:r>
-              <a:rPr lang="en-US" smtClean="0"/>
+              <a:rPr lang="en-US"/>
               <a:t>Fifth level</a:t>
             </a:r>
-            <a:endParaRPr lang="en-US"/>
           </a:p>
         </p:txBody>
       </p:sp>
@@ -2561,7 +2561,7 @@
             <a:fld id="{1D8BD707-D9CF-40AE-B4C6-C98DA3205C09}" type="datetimeFigureOut">
               <a:rPr lang="en-US" smtClean="0"/>
               <a:pPr/>
-              <a:t>8/1/2011</a:t>
+              <a:t>1/2/2025</a:t>
             </a:fld>
             <a:endParaRPr lang="en-US"/>
           </a:p>
@@ -2651,10 +2651,9 @@
           <a:lstStyle/>
           <a:p>
             <a:r>
-              <a:rPr lang="en-US" smtClean="0"/>
+              <a:rPr lang="en-US"/>
               <a:t>Click to edit Master title style</a:t>
             </a:r>
-            <a:endParaRPr lang="en-US"/>
           </a:p>
         </p:txBody>
       </p:sp>
@@ -2676,7 +2675,7 @@
             <a:fld id="{1D8BD707-D9CF-40AE-B4C6-C98DA3205C09}" type="datetimeFigureOut">
               <a:rPr lang="en-US" smtClean="0"/>
               <a:pPr/>
-              <a:t>8/1/2011</a:t>
+              <a:t>1/2/2025</a:t>
             </a:fld>
             <a:endParaRPr lang="en-US"/>
           </a:p>
@@ -2768,7 +2767,7 @@
             <a:fld id="{1D8BD707-D9CF-40AE-B4C6-C98DA3205C09}" type="datetimeFigureOut">
               <a:rPr lang="en-US" smtClean="0"/>
               <a:pPr/>
-              <a:t>8/1/2011</a:t>
+              <a:t>1/2/2025</a:t>
             </a:fld>
             <a:endParaRPr lang="en-US"/>
           </a:p>
@@ -2867,10 +2866,9 @@
           </a:lstStyle>
           <a:p>
             <a:r>
-              <a:rPr lang="en-US" smtClean="0"/>
+              <a:rPr lang="en-US"/>
               <a:t>Click to edit Master title style</a:t>
             </a:r>
-            <a:endParaRPr lang="en-US"/>
           </a:p>
         </p:txBody>
       </p:sp>
@@ -2924,38 +2922,37 @@
           <a:p>
             <a:pPr lvl="0"/>
             <a:r>
-              <a:rPr lang="en-US" smtClean="0"/>
+              <a:rPr lang="en-US"/>
               <a:t>Click to edit Master text styles</a:t>
             </a:r>
           </a:p>
           <a:p>
             <a:pPr lvl="1"/>
             <a:r>
-              <a:rPr lang="en-US" smtClean="0"/>
+              <a:rPr lang="en-US"/>
               <a:t>Second level</a:t>
             </a:r>
           </a:p>
           <a:p>
             <a:pPr lvl="2"/>
             <a:r>
-              <a:rPr lang="en-US" smtClean="0"/>
+              <a:rPr lang="en-US"/>
               <a:t>Third level</a:t>
             </a:r>
           </a:p>
           <a:p>
             <a:pPr lvl="3"/>
             <a:r>
-              <a:rPr lang="en-US" smtClean="0"/>
+              <a:rPr lang="en-US"/>
               <a:t>Fourth level</a:t>
             </a:r>
           </a:p>
           <a:p>
             <a:pPr lvl="4"/>
             <a:r>
-              <a:rPr lang="en-US" smtClean="0"/>
+              <a:rPr lang="en-US"/>
               <a:t>Fifth level</a:t>
             </a:r>
-            <a:endParaRPr lang="en-US"/>
           </a:p>
         </p:txBody>
       </p:sp>
@@ -3018,7 +3015,7 @@
           <a:p>
             <a:pPr lvl="0"/>
             <a:r>
-              <a:rPr lang="en-US" smtClean="0"/>
+              <a:rPr lang="en-US"/>
               <a:t>Click to edit Master text styles</a:t>
             </a:r>
           </a:p>
@@ -3042,7 +3039,7 @@
             <a:fld id="{1D8BD707-D9CF-40AE-B4C6-C98DA3205C09}" type="datetimeFigureOut">
               <a:rPr lang="en-US" smtClean="0"/>
               <a:pPr/>
-              <a:t>8/1/2011</a:t>
+              <a:t>1/2/2025</a:t>
             </a:fld>
             <a:endParaRPr lang="en-US"/>
           </a:p>
@@ -3141,10 +3138,9 @@
           </a:lstStyle>
           <a:p>
             <a:r>
-              <a:rPr lang="en-US" smtClean="0"/>
+              <a:rPr lang="en-US"/>
               <a:t>Click to edit Master title style</a:t>
             </a:r>
-            <a:endParaRPr lang="en-US"/>
           </a:p>
         </p:txBody>
       </p:sp>
@@ -3268,7 +3264,7 @@
           <a:p>
             <a:pPr lvl="0"/>
             <a:r>
-              <a:rPr lang="en-US" smtClean="0"/>
+              <a:rPr lang="en-US"/>
               <a:t>Click to edit Master text styles</a:t>
             </a:r>
           </a:p>
@@ -3292,7 +3288,7 @@
             <a:fld id="{1D8BD707-D9CF-40AE-B4C6-C98DA3205C09}" type="datetimeFigureOut">
               <a:rPr lang="en-US" smtClean="0"/>
               <a:pPr/>
-              <a:t>8/1/2011</a:t>
+              <a:t>1/2/2025</a:t>
             </a:fld>
             <a:endParaRPr lang="en-US"/>
           </a:p>
@@ -3397,10 +3393,9 @@
           <a:lstStyle/>
           <a:p>
             <a:r>
-              <a:rPr lang="en-US" smtClean="0"/>
+              <a:rPr lang="en-US"/>
               <a:t>Click to edit Master title style</a:t>
             </a:r>
-            <a:endParaRPr lang="en-US"/>
           </a:p>
         </p:txBody>
       </p:sp>
@@ -3431,38 +3426,37 @@
           <a:p>
             <a:pPr lvl="0"/>
             <a:r>
-              <a:rPr lang="en-US" smtClean="0"/>
+              <a:rPr lang="en-US"/>
               <a:t>Click to edit Master text styles</a:t>
             </a:r>
           </a:p>
           <a:p>
             <a:pPr lvl="1"/>
             <a:r>
-              <a:rPr lang="en-US" smtClean="0"/>
+              <a:rPr lang="en-US"/>
               <a:t>Second level</a:t>
             </a:r>
           </a:p>
           <a:p>
             <a:pPr lvl="2"/>
             <a:r>
-              <a:rPr lang="en-US" smtClean="0"/>
+              <a:rPr lang="en-US"/>
               <a:t>Third level</a:t>
             </a:r>
           </a:p>
           <a:p>
             <a:pPr lvl="3"/>
             <a:r>
-              <a:rPr lang="en-US" smtClean="0"/>
+              <a:rPr lang="en-US"/>
               <a:t>Fourth level</a:t>
             </a:r>
           </a:p>
           <a:p>
             <a:pPr lvl="4"/>
             <a:r>
-              <a:rPr lang="en-US" smtClean="0"/>
+              <a:rPr lang="en-US"/>
               <a:t>Fifth level</a:t>
             </a:r>
-            <a:endParaRPr lang="en-US"/>
           </a:p>
         </p:txBody>
       </p:sp>
@@ -3502,7 +3496,7 @@
             <a:fld id="{1D8BD707-D9CF-40AE-B4C6-C98DA3205C09}" type="datetimeFigureOut">
               <a:rPr lang="en-US" smtClean="0"/>
               <a:pPr/>
-              <a:t>8/1/2011</a:t>
+              <a:t>1/2/2025</a:t>
             </a:fld>
             <a:endParaRPr lang="en-US"/>
           </a:p>
@@ -3857,13 +3851,14 @@
 </file>
 
 <file path=ppt/slides/slide1.xml><?xml version="1.0" encoding="utf-8"?>
-<p:sld xmlns:p="http://schemas.openxmlformats.org/presentationml/2006/main" xmlns:a="http://schemas.openxmlformats.org/drawingml/2006/main" xmlns:r="http://schemas.openxmlformats.org/officeDocument/2006/relationships">
+<p:sld xmlns:a="http://schemas.openxmlformats.org/drawingml/2006/main" xmlns:r="http://schemas.openxmlformats.org/officeDocument/2006/relationships" xmlns:p="http://schemas.openxmlformats.org/presentationml/2006/main">
   <p:cSld>
     <p:bg>
       <p:bgPr>
         <a:solidFill>
           <a:srgbClr val="5780C0"/>
         </a:solidFill>
+        <a:effectLst/>
       </p:bgPr>
     </p:bg>
     <p:spTree>
@@ -3882,12 +3877,12 @@
       </p:grpSpPr>
       <p:sp>
         <p:nvSpPr>
-          <p:cNvPr name="Freeform 2" id="2"/>
+          <p:cNvPr id="2" name="Freeform 2"/>
           <p:cNvSpPr/>
           <p:nvPr/>
         </p:nvSpPr>
         <p:spPr>
-          <a:xfrm flipH="false" flipV="false" rot="0">
+          <a:xfrm>
             <a:off x="-3140556" y="7889271"/>
             <a:ext cx="8338513" cy="8338513"/>
           </a:xfrm>
@@ -3896,9 +3891,9 @@
             <a:gdLst/>
             <a:ahLst/>
             <a:cxnLst/>
-            <a:rect r="r" b="b" t="t" l="l"/>
+            <a:rect l="l" t="t" r="r" b="b"/>
             <a:pathLst>
-              <a:path h="8338513" w="8338513">
+              <a:path w="8338513" h="8338513">
                 <a:moveTo>
                   <a:pt x="0" y="0"/>
                 </a:moveTo>
@@ -3927,19 +3922,19 @@
               </a:extLst>
             </a:blip>
             <a:stretch>
-              <a:fillRect l="0" t="0" r="0" b="0"/>
+              <a:fillRect/>
             </a:stretch>
           </a:blipFill>
         </p:spPr>
       </p:sp>
       <p:sp>
         <p:nvSpPr>
-          <p:cNvPr name="Freeform 3" id="3"/>
+          <p:cNvPr id="3" name="Freeform 3"/>
           <p:cNvSpPr/>
           <p:nvPr/>
         </p:nvSpPr>
         <p:spPr>
-          <a:xfrm flipH="false" flipV="false" rot="0">
+          <a:xfrm>
             <a:off x="13090770" y="-5871599"/>
             <a:ext cx="8338513" cy="8338513"/>
           </a:xfrm>
@@ -3948,9 +3943,9 @@
             <a:gdLst/>
             <a:ahLst/>
             <a:cxnLst/>
-            <a:rect r="r" b="b" t="t" l="l"/>
+            <a:rect l="l" t="t" r="r" b="b"/>
             <a:pathLst>
-              <a:path h="8338513" w="8338513">
+              <a:path w="8338513" h="8338513">
                 <a:moveTo>
                   <a:pt x="0" y="0"/>
                 </a:moveTo>
@@ -3979,19 +3974,19 @@
               </a:extLst>
             </a:blip>
             <a:stretch>
-              <a:fillRect l="0" t="0" r="0" b="0"/>
+              <a:fillRect/>
             </a:stretch>
           </a:blipFill>
         </p:spPr>
       </p:sp>
       <p:sp>
         <p:nvSpPr>
-          <p:cNvPr name="TextBox 4" id="4"/>
-          <p:cNvSpPr txBox="true"/>
-          <p:nvPr/>
-        </p:nvSpPr>
-        <p:spPr>
-          <a:xfrm rot="0">
+          <p:cNvPr id="4" name="TextBox 4"/>
+          <p:cNvSpPr txBox="1"/>
+          <p:nvPr/>
+        </p:nvSpPr>
+        <p:spPr>
+          <a:xfrm>
             <a:off x="4730665" y="1934068"/>
             <a:ext cx="8826669" cy="1645893"/>
           </a:xfrm>
@@ -4000,7 +3995,7 @@
           </a:prstGeom>
         </p:spPr>
         <p:txBody>
-          <a:bodyPr anchor="t" rtlCol="false" tIns="0" lIns="0" bIns="0" rIns="0">
+          <a:bodyPr lIns="0" tIns="0" rIns="0" bIns="0" rtlCol="0" anchor="t">
             <a:spAutoFit/>
           </a:bodyPr>
           <a:lstStyle/>
@@ -4011,7 +4006,7 @@
               </a:lnSpc>
             </a:pPr>
             <a:r>
-              <a:rPr lang="en-US" b="true" sz="14044" spc="-870">
+              <a:rPr lang="en-US" sz="14044" b="1" spc="-870">
                 <a:solidFill>
                   <a:srgbClr val="FBF9F5"/>
                 </a:solidFill>
@@ -4027,12 +4022,12 @@
       </p:sp>
       <p:sp>
         <p:nvSpPr>
-          <p:cNvPr name="Freeform 5" id="5"/>
+          <p:cNvPr id="5" name="Freeform 5"/>
           <p:cNvSpPr/>
           <p:nvPr/>
         </p:nvSpPr>
         <p:spPr>
-          <a:xfrm flipH="false" flipV="false" rot="3066062">
+          <a:xfrm rot="3066062">
             <a:off x="12723572" y="2791665"/>
             <a:ext cx="773256" cy="773256"/>
           </a:xfrm>
@@ -4041,9 +4036,9 @@
             <a:gdLst/>
             <a:ahLst/>
             <a:cxnLst/>
-            <a:rect r="r" b="b" t="t" l="l"/>
+            <a:rect l="l" t="t" r="r" b="b"/>
             <a:pathLst>
-              <a:path h="773256" w="773256">
+              <a:path w="773256" h="773256">
                 <a:moveTo>
                   <a:pt x="0" y="0"/>
                 </a:moveTo>
@@ -4072,19 +4067,19 @@
               </a:extLst>
             </a:blip>
             <a:stretch>
-              <a:fillRect l="0" t="0" r="0" b="0"/>
+              <a:fillRect/>
             </a:stretch>
           </a:blipFill>
         </p:spPr>
       </p:sp>
       <p:sp>
         <p:nvSpPr>
-          <p:cNvPr name="TextBox 6" id="6"/>
-          <p:cNvSpPr txBox="true"/>
-          <p:nvPr/>
-        </p:nvSpPr>
-        <p:spPr>
-          <a:xfrm rot="0">
+          <p:cNvPr id="6" name="TextBox 6"/>
+          <p:cNvSpPr txBox="1"/>
+          <p:nvPr/>
+        </p:nvSpPr>
+        <p:spPr>
+          <a:xfrm>
             <a:off x="1620492" y="3937094"/>
             <a:ext cx="15047017" cy="3952176"/>
           </a:xfrm>
@@ -4093,7 +4088,7 @@
           </a:prstGeom>
         </p:spPr>
         <p:txBody>
-          <a:bodyPr anchor="t" rtlCol="false" tIns="0" lIns="0" bIns="0" rIns="0">
+          <a:bodyPr lIns="0" tIns="0" rIns="0" bIns="0" rtlCol="0" anchor="t">
             <a:spAutoFit/>
           </a:bodyPr>
           <a:lstStyle/>
@@ -4120,12 +4115,12 @@
       </p:sp>
       <p:sp>
         <p:nvSpPr>
-          <p:cNvPr name="Freeform 7" id="7"/>
+          <p:cNvPr id="7" name="Freeform 7"/>
           <p:cNvSpPr/>
           <p:nvPr/>
         </p:nvSpPr>
         <p:spPr>
-          <a:xfrm flipH="false" flipV="false" rot="0">
+          <a:xfrm>
             <a:off x="-79398" y="1028700"/>
             <a:ext cx="5277354" cy="352918"/>
           </a:xfrm>
@@ -4134,9 +4129,9 @@
             <a:gdLst/>
             <a:ahLst/>
             <a:cxnLst/>
-            <a:rect r="r" b="b" t="t" l="l"/>
+            <a:rect l="l" t="t" r="r" b="b"/>
             <a:pathLst>
-              <a:path h="352918" w="5277354">
+              <a:path w="5277354" h="352918">
                 <a:moveTo>
                   <a:pt x="0" y="0"/>
                 </a:moveTo>
@@ -4165,19 +4160,19 @@
               </a:extLst>
             </a:blip>
             <a:stretch>
-              <a:fillRect l="0" t="0" r="0" b="0"/>
+              <a:fillRect/>
             </a:stretch>
           </a:blipFill>
         </p:spPr>
       </p:sp>
       <p:sp>
         <p:nvSpPr>
-          <p:cNvPr name="TextBox 8" id="8"/>
-          <p:cNvSpPr txBox="true"/>
-          <p:nvPr/>
-        </p:nvSpPr>
-        <p:spPr>
-          <a:xfrm rot="0">
+          <p:cNvPr id="8" name="TextBox 8"/>
+          <p:cNvSpPr txBox="1"/>
+          <p:nvPr/>
+        </p:nvSpPr>
+        <p:spPr>
+          <a:xfrm>
             <a:off x="9476467" y="9407482"/>
             <a:ext cx="5587867" cy="463419"/>
           </a:xfrm>
@@ -4186,7 +4181,7 @@
           </a:prstGeom>
         </p:spPr>
         <p:txBody>
-          <a:bodyPr anchor="t" rtlCol="false" tIns="0" lIns="0" bIns="0" rIns="0">
+          <a:bodyPr lIns="0" tIns="0" rIns="0" bIns="0" rtlCol="0" anchor="t">
             <a:spAutoFit/>
           </a:bodyPr>
           <a:lstStyle/>
@@ -4213,12 +4208,12 @@
       </p:sp>
       <p:sp>
         <p:nvSpPr>
-          <p:cNvPr name="TextBox 9" id="9"/>
-          <p:cNvSpPr txBox="true"/>
-          <p:nvPr/>
-        </p:nvSpPr>
-        <p:spPr>
-          <a:xfrm rot="0">
+          <p:cNvPr id="9" name="TextBox 9"/>
+          <p:cNvSpPr txBox="1"/>
+          <p:nvPr/>
+        </p:nvSpPr>
+        <p:spPr>
+          <a:xfrm>
             <a:off x="13530110" y="9407482"/>
             <a:ext cx="3729190" cy="463419"/>
           </a:xfrm>
@@ -4227,7 +4222,7 @@
           </a:prstGeom>
         </p:spPr>
         <p:txBody>
-          <a:bodyPr anchor="t" rtlCol="false" tIns="0" lIns="0" bIns="0" rIns="0">
+          <a:bodyPr lIns="0" tIns="0" rIns="0" bIns="0" rtlCol="0" anchor="t">
             <a:spAutoFit/>
           </a:bodyPr>
           <a:lstStyle/>
@@ -4238,7 +4233,7 @@
               </a:lnSpc>
             </a:pPr>
             <a:r>
-              <a:rPr lang="en-US" b="true" sz="2755">
+              <a:rPr lang="en-US" sz="2755" b="1">
                 <a:solidFill>
                   <a:srgbClr val="FBF9F5"/>
                 </a:solidFill>
@@ -4254,12 +4249,12 @@
       </p:sp>
       <p:sp>
         <p:nvSpPr>
-          <p:cNvPr name="Freeform 10" id="10"/>
+          <p:cNvPr id="10" name="Freeform 10"/>
           <p:cNvSpPr/>
           <p:nvPr/>
         </p:nvSpPr>
         <p:spPr>
-          <a:xfrm flipH="true" flipV="false" rot="0">
+          <a:xfrm flipH="1">
             <a:off x="13010646" y="8905382"/>
             <a:ext cx="5277354" cy="352918"/>
           </a:xfrm>
@@ -4268,9 +4263,9 @@
             <a:gdLst/>
             <a:ahLst/>
             <a:cxnLst/>
-            <a:rect r="r" b="b" t="t" l="l"/>
+            <a:rect l="l" t="t" r="r" b="b"/>
             <a:pathLst>
-              <a:path h="352918" w="5277354">
+              <a:path w="5277354" h="352918">
                 <a:moveTo>
                   <a:pt x="5277354" y="0"/>
                 </a:moveTo>
@@ -4299,7 +4294,7 @@
               </a:extLst>
             </a:blip>
             <a:stretch>
-              <a:fillRect l="0" t="0" r="0" b="0"/>
+              <a:fillRect/>
             </a:stretch>
           </a:blipFill>
         </p:spPr>
@@ -4313,13 +4308,14 @@
 </file>
 
 <file path=ppt/slides/slide2.xml><?xml version="1.0" encoding="utf-8"?>
-<p:sld xmlns:p="http://schemas.openxmlformats.org/presentationml/2006/main" xmlns:a="http://schemas.openxmlformats.org/drawingml/2006/main" xmlns:r="http://schemas.openxmlformats.org/officeDocument/2006/relationships">
+<p:sld xmlns:a="http://schemas.openxmlformats.org/drawingml/2006/main" xmlns:r="http://schemas.openxmlformats.org/officeDocument/2006/relationships" xmlns:p="http://schemas.openxmlformats.org/presentationml/2006/main">
   <p:cSld>
     <p:bg>
       <p:bgPr>
         <a:solidFill>
           <a:srgbClr val="5780C0"/>
         </a:solidFill>
+        <a:effectLst/>
       </p:bgPr>
     </p:bg>
     <p:spTree>
@@ -4338,12 +4334,12 @@
       </p:grpSpPr>
       <p:sp>
         <p:nvSpPr>
-          <p:cNvPr name="Freeform 2" id="2"/>
+          <p:cNvPr id="2" name="Freeform 2"/>
           <p:cNvSpPr/>
           <p:nvPr/>
         </p:nvSpPr>
         <p:spPr>
-          <a:xfrm flipH="false" flipV="false" rot="0">
+          <a:xfrm>
             <a:off x="15496927" y="-4169256"/>
             <a:ext cx="8338513" cy="8338513"/>
           </a:xfrm>
@@ -4352,9 +4348,9 @@
             <a:gdLst/>
             <a:ahLst/>
             <a:cxnLst/>
-            <a:rect r="r" b="b" t="t" l="l"/>
+            <a:rect l="l" t="t" r="r" b="b"/>
             <a:pathLst>
-              <a:path h="8338513" w="8338513">
+              <a:path w="8338513" h="8338513">
                 <a:moveTo>
                   <a:pt x="0" y="0"/>
                 </a:moveTo>
@@ -4383,19 +4379,19 @@
               </a:extLst>
             </a:blip>
             <a:stretch>
-              <a:fillRect l="0" t="0" r="0" b="0"/>
+              <a:fillRect/>
             </a:stretch>
           </a:blipFill>
         </p:spPr>
       </p:sp>
       <p:sp>
         <p:nvSpPr>
-          <p:cNvPr name="Freeform 3" id="3"/>
+          <p:cNvPr id="3" name="Freeform 3"/>
           <p:cNvSpPr/>
           <p:nvPr/>
         </p:nvSpPr>
         <p:spPr>
-          <a:xfrm flipH="false" flipV="false" rot="0">
+          <a:xfrm>
             <a:off x="-4524662" y="8045939"/>
             <a:ext cx="8338513" cy="8338513"/>
           </a:xfrm>
@@ -4404,9 +4400,9 @@
             <a:gdLst/>
             <a:ahLst/>
             <a:cxnLst/>
-            <a:rect r="r" b="b" t="t" l="l"/>
+            <a:rect l="l" t="t" r="r" b="b"/>
             <a:pathLst>
-              <a:path h="8338513" w="8338513">
+              <a:path w="8338513" h="8338513">
                 <a:moveTo>
                   <a:pt x="0" y="0"/>
                 </a:moveTo>
@@ -4435,19 +4431,19 @@
               </a:extLst>
             </a:blip>
             <a:stretch>
-              <a:fillRect l="0" t="0" r="0" b="0"/>
+              <a:fillRect/>
             </a:stretch>
           </a:blipFill>
         </p:spPr>
       </p:sp>
       <p:sp>
         <p:nvSpPr>
-          <p:cNvPr name="Freeform 4" id="4"/>
+          <p:cNvPr id="4" name="Freeform 4"/>
           <p:cNvSpPr/>
           <p:nvPr/>
         </p:nvSpPr>
         <p:spPr>
-          <a:xfrm flipH="false" flipV="false" rot="0">
+          <a:xfrm>
             <a:off x="-355406" y="9258300"/>
             <a:ext cx="1364803" cy="1253137"/>
           </a:xfrm>
@@ -4456,9 +4452,9 @@
             <a:gdLst/>
             <a:ahLst/>
             <a:cxnLst/>
-            <a:rect r="r" b="b" t="t" l="l"/>
+            <a:rect l="l" t="t" r="r" b="b"/>
             <a:pathLst>
-              <a:path h="1253137" w="1364803">
+              <a:path w="1364803" h="1253137">
                 <a:moveTo>
                   <a:pt x="0" y="0"/>
                 </a:moveTo>
@@ -4487,19 +4483,19 @@
               </a:extLst>
             </a:blip>
             <a:stretch>
-              <a:fillRect l="0" t="0" r="0" b="0"/>
+              <a:fillRect/>
             </a:stretch>
           </a:blipFill>
         </p:spPr>
       </p:sp>
       <p:grpSp>
         <p:nvGrpSpPr>
-          <p:cNvPr name="Group 5" id="5"/>
+          <p:cNvPr id="5" name="Group 5"/>
           <p:cNvGrpSpPr/>
           <p:nvPr/>
         </p:nvGrpSpPr>
         <p:grpSpPr>
-          <a:xfrm rot="0">
+          <a:xfrm>
             <a:off x="6698025" y="449840"/>
             <a:ext cx="4891950" cy="1157721"/>
             <a:chOff x="0" y="0"/>
@@ -4508,12 +4504,12 @@
         </p:grpSpPr>
         <p:sp>
           <p:nvSpPr>
-            <p:cNvPr name="Freeform 6" id="6"/>
+            <p:cNvPr id="6" name="Freeform 6"/>
             <p:cNvSpPr/>
             <p:nvPr/>
           </p:nvSpPr>
           <p:spPr>
-            <a:xfrm flipH="false" flipV="false" rot="0">
+            <a:xfrm>
               <a:off x="0" y="0"/>
               <a:ext cx="1288415" cy="304914"/>
             </a:xfrm>
@@ -4522,9 +4518,9 @@
               <a:gdLst/>
               <a:ahLst/>
               <a:cxnLst/>
-              <a:rect r="r" b="b" t="t" l="l"/>
+              <a:rect l="l" t="t" r="r" b="b"/>
               <a:pathLst>
-                <a:path h="304914" w="1288415">
+                <a:path w="1288415" h="304914">
                   <a:moveTo>
                     <a:pt x="152457" y="0"/>
                   </a:moveTo>
@@ -4576,8 +4572,8 @@
         </p:sp>
         <p:sp>
           <p:nvSpPr>
-            <p:cNvPr name="TextBox 7" id="7"/>
-            <p:cNvSpPr txBox="true"/>
+            <p:cNvPr id="7" name="TextBox 7"/>
+            <p:cNvSpPr txBox="1"/>
             <p:nvPr/>
           </p:nvSpPr>
           <p:spPr>
@@ -4590,7 +4586,7 @@
             </a:prstGeom>
           </p:spPr>
           <p:txBody>
-            <a:bodyPr anchor="ctr" rtlCol="false" tIns="50800" lIns="50800" bIns="50800" rIns="50800"/>
+            <a:bodyPr lIns="50800" tIns="50800" rIns="50800" bIns="50800" rtlCol="0" anchor="ctr"/>
             <a:lstStyle/>
             <a:p>
               <a:pPr algn="ctr">
@@ -4601,18 +4597,19 @@
                   <a:spcPct val="0"/>
                 </a:spcBef>
               </a:pPr>
+              <a:endParaRPr/>
             </a:p>
           </p:txBody>
         </p:sp>
       </p:grpSp>
       <p:sp>
         <p:nvSpPr>
-          <p:cNvPr name="TextBox 8" id="8"/>
-          <p:cNvSpPr txBox="true"/>
-          <p:nvPr/>
-        </p:nvSpPr>
-        <p:spPr>
-          <a:xfrm rot="0">
+          <p:cNvPr id="8" name="TextBox 8"/>
+          <p:cNvSpPr txBox="1"/>
+          <p:nvPr/>
+        </p:nvSpPr>
+        <p:spPr>
+          <a:xfrm>
             <a:off x="7138502" y="698698"/>
             <a:ext cx="4272845" cy="707628"/>
           </a:xfrm>
@@ -4621,12 +4618,12 @@
           </a:prstGeom>
         </p:spPr>
         <p:txBody>
-          <a:bodyPr anchor="t" rtlCol="false" tIns="0" lIns="0" bIns="0" rIns="0">
+          <a:bodyPr lIns="0" tIns="0" rIns="0" bIns="0" rtlCol="0" anchor="t">
             <a:spAutoFit/>
           </a:bodyPr>
           <a:lstStyle/>
           <a:p>
-            <a:pPr algn="ctr" marL="0" indent="0" lvl="0">
+            <a:pPr marL="0" lvl="0" indent="0" algn="ctr">
               <a:lnSpc>
                 <a:spcPts val="5419"/>
               </a:lnSpc>
@@ -4635,7 +4632,7 @@
               </a:spcBef>
             </a:pPr>
             <a:r>
-              <a:rPr lang="en-US" b="true" sz="4971" spc="367">
+              <a:rPr lang="en-US" sz="4971" b="1" spc="367">
                 <a:solidFill>
                   <a:srgbClr val="5780C0"/>
                 </a:solidFill>
@@ -4651,7 +4648,7 @@
       </p:sp>
       <p:sp>
         <p:nvSpPr>
-          <p:cNvPr name="AutoShape 9" id="9"/>
+          <p:cNvPr id="9" name="AutoShape 9"/>
           <p:cNvSpPr/>
           <p:nvPr/>
         </p:nvSpPr>
@@ -4663,19 +4660,19 @@
           <a:prstGeom prst="line">
             <a:avLst/>
           </a:prstGeom>
-          <a:ln cap="flat" w="38100">
+          <a:ln w="38100" cap="flat">
             <a:solidFill>
               <a:srgbClr val="FFFFFF"/>
             </a:solidFill>
             <a:prstDash val="solid"/>
-            <a:headEnd type="none" len="sm" w="sm"/>
-            <a:tailEnd type="none" len="sm" w="sm"/>
+            <a:headEnd type="none" w="sm" len="sm"/>
+            <a:tailEnd type="none" w="sm" len="sm"/>
           </a:ln>
         </p:spPr>
       </p:sp>
       <p:sp>
         <p:nvSpPr>
-          <p:cNvPr name="AutoShape 10" id="10"/>
+          <p:cNvPr id="10" name="AutoShape 10"/>
           <p:cNvSpPr/>
           <p:nvPr/>
         </p:nvSpPr>
@@ -4687,19 +4684,19 @@
           <a:prstGeom prst="line">
             <a:avLst/>
           </a:prstGeom>
-          <a:ln cap="flat" w="38100">
+          <a:ln w="38100" cap="flat">
             <a:solidFill>
               <a:srgbClr val="FFFFFF"/>
             </a:solidFill>
             <a:prstDash val="solid"/>
-            <a:headEnd type="none" len="sm" w="sm"/>
-            <a:tailEnd type="none" len="sm" w="sm"/>
+            <a:headEnd type="none" w="sm" len="sm"/>
+            <a:tailEnd type="none" w="sm" len="sm"/>
           </a:ln>
         </p:spPr>
       </p:sp>
       <p:sp>
         <p:nvSpPr>
-          <p:cNvPr name="AutoShape 11" id="11"/>
+          <p:cNvPr id="11" name="AutoShape 11"/>
           <p:cNvSpPr/>
           <p:nvPr/>
         </p:nvSpPr>
@@ -4711,19 +4708,19 @@
           <a:prstGeom prst="line">
             <a:avLst/>
           </a:prstGeom>
-          <a:ln cap="flat" w="38100">
+          <a:ln w="38100" cap="flat">
             <a:solidFill>
               <a:srgbClr val="FFFFFF"/>
             </a:solidFill>
             <a:prstDash val="solid"/>
-            <a:headEnd type="none" len="sm" w="sm"/>
-            <a:tailEnd type="none" len="sm" w="sm"/>
+            <a:headEnd type="none" w="sm" len="sm"/>
+            <a:tailEnd type="none" w="sm" len="sm"/>
           </a:ln>
         </p:spPr>
       </p:sp>
       <p:sp>
         <p:nvSpPr>
-          <p:cNvPr name="AutoShape 12" id="12"/>
+          <p:cNvPr id="12" name="AutoShape 12"/>
           <p:cNvSpPr/>
           <p:nvPr/>
         </p:nvSpPr>
@@ -4735,19 +4732,19 @@
           <a:prstGeom prst="line">
             <a:avLst/>
           </a:prstGeom>
-          <a:ln cap="flat" w="38100">
+          <a:ln w="38100" cap="flat">
             <a:solidFill>
               <a:srgbClr val="FFFFFF"/>
             </a:solidFill>
             <a:prstDash val="solid"/>
-            <a:headEnd type="none" len="sm" w="sm"/>
-            <a:tailEnd type="none" len="sm" w="sm"/>
+            <a:headEnd type="none" w="sm" len="sm"/>
+            <a:tailEnd type="none" w="sm" len="sm"/>
           </a:ln>
         </p:spPr>
       </p:sp>
       <p:sp>
         <p:nvSpPr>
-          <p:cNvPr name="AutoShape 13" id="13"/>
+          <p:cNvPr id="13" name="AutoShape 13"/>
           <p:cNvSpPr/>
           <p:nvPr/>
         </p:nvSpPr>
@@ -4759,19 +4756,19 @@
           <a:prstGeom prst="line">
             <a:avLst/>
           </a:prstGeom>
-          <a:ln cap="flat" w="38100">
+          <a:ln w="38100" cap="flat">
             <a:solidFill>
               <a:srgbClr val="FFFFFF"/>
             </a:solidFill>
             <a:prstDash val="solid"/>
-            <a:headEnd type="none" len="sm" w="sm"/>
-            <a:tailEnd type="none" len="sm" w="sm"/>
+            <a:headEnd type="none" w="sm" len="sm"/>
+            <a:tailEnd type="none" w="sm" len="sm"/>
           </a:ln>
         </p:spPr>
       </p:sp>
       <p:sp>
         <p:nvSpPr>
-          <p:cNvPr name="AutoShape 14" id="14"/>
+          <p:cNvPr id="14" name="AutoShape 14"/>
           <p:cNvSpPr/>
           <p:nvPr/>
         </p:nvSpPr>
@@ -4783,24 +4780,24 @@
           <a:prstGeom prst="line">
             <a:avLst/>
           </a:prstGeom>
-          <a:ln cap="flat" w="38100">
+          <a:ln w="38100" cap="flat">
             <a:solidFill>
               <a:srgbClr val="FFFFFF"/>
             </a:solidFill>
             <a:prstDash val="solid"/>
-            <a:headEnd type="none" len="sm" w="sm"/>
-            <a:tailEnd type="none" len="sm" w="sm"/>
+            <a:headEnd type="none" w="sm" len="sm"/>
+            <a:tailEnd type="none" w="sm" len="sm"/>
           </a:ln>
         </p:spPr>
       </p:sp>
       <p:grpSp>
         <p:nvGrpSpPr>
-          <p:cNvPr name="Group 15" id="15"/>
+          <p:cNvPr id="15" name="Group 15"/>
           <p:cNvGrpSpPr/>
           <p:nvPr/>
         </p:nvGrpSpPr>
         <p:grpSpPr>
-          <a:xfrm rot="0">
+          <a:xfrm>
             <a:off x="1028700" y="3757357"/>
             <a:ext cx="3155995" cy="960837"/>
             <a:chOff x="0" y="0"/>
@@ -4809,12 +4806,12 @@
         </p:grpSpPr>
         <p:sp>
           <p:nvSpPr>
-            <p:cNvPr name="Freeform 16" id="16"/>
+            <p:cNvPr id="16" name="Freeform 16"/>
             <p:cNvSpPr/>
             <p:nvPr/>
           </p:nvSpPr>
           <p:spPr>
-            <a:xfrm flipH="false" flipV="false" rot="0">
+            <a:xfrm>
               <a:off x="0" y="0"/>
               <a:ext cx="831209" cy="253060"/>
             </a:xfrm>
@@ -4823,9 +4820,9 @@
               <a:gdLst/>
               <a:ahLst/>
               <a:cxnLst/>
-              <a:rect r="r" b="b" t="t" l="l"/>
+              <a:rect l="l" t="t" r="r" b="b"/>
               <a:pathLst>
-                <a:path h="253060" w="831209">
+                <a:path w="831209" h="253060">
                   <a:moveTo>
                     <a:pt x="126530" y="0"/>
                   </a:moveTo>
@@ -4872,8 +4869,8 @@
         </p:sp>
         <p:sp>
           <p:nvSpPr>
-            <p:cNvPr name="TextBox 17" id="17"/>
-            <p:cNvSpPr txBox="true"/>
+            <p:cNvPr id="17" name="TextBox 17"/>
+            <p:cNvSpPr txBox="1"/>
             <p:nvPr/>
           </p:nvSpPr>
           <p:spPr>
@@ -4886,7 +4883,7 @@
             </a:prstGeom>
           </p:spPr>
           <p:txBody>
-            <a:bodyPr anchor="ctr" rtlCol="false" tIns="50800" lIns="50800" bIns="50800" rIns="50800"/>
+            <a:bodyPr lIns="50800" tIns="50800" rIns="50800" bIns="50800" rtlCol="0" anchor="ctr"/>
             <a:lstStyle/>
             <a:p>
               <a:pPr algn="ctr">
@@ -4897,18 +4894,19 @@
                   <a:spcPct val="0"/>
                 </a:spcBef>
               </a:pPr>
+              <a:endParaRPr/>
             </a:p>
           </p:txBody>
         </p:sp>
       </p:grpSp>
       <p:sp>
         <p:nvSpPr>
-          <p:cNvPr name="TextBox 18" id="18"/>
-          <p:cNvSpPr txBox="true"/>
-          <p:nvPr/>
-        </p:nvSpPr>
-        <p:spPr>
-          <a:xfrm rot="0">
+          <p:cNvPr id="18" name="TextBox 18"/>
+          <p:cNvSpPr txBox="1"/>
+          <p:nvPr/>
+        </p:nvSpPr>
+        <p:spPr>
+          <a:xfrm>
             <a:off x="819409" y="4013501"/>
             <a:ext cx="3574577" cy="486649"/>
           </a:xfrm>
@@ -4917,12 +4915,12 @@
           </a:prstGeom>
         </p:spPr>
         <p:txBody>
-          <a:bodyPr anchor="t" rtlCol="false" tIns="0" lIns="0" bIns="0" rIns="0">
+          <a:bodyPr lIns="0" tIns="0" rIns="0" bIns="0" rtlCol="0" anchor="t">
             <a:spAutoFit/>
           </a:bodyPr>
           <a:lstStyle/>
           <a:p>
-            <a:pPr algn="ctr" marL="0" indent="0" lvl="0">
+            <a:pPr marL="0" lvl="0" indent="0" algn="ctr">
               <a:lnSpc>
                 <a:spcPts val="3784"/>
               </a:lnSpc>
@@ -4931,7 +4929,7 @@
               </a:spcBef>
             </a:pPr>
             <a:r>
-              <a:rPr lang="en-US" b="true" sz="3471" spc="90">
+              <a:rPr lang="en-US" sz="3471" b="1" spc="90">
                 <a:solidFill>
                   <a:srgbClr val="5780C0"/>
                 </a:solidFill>
@@ -4947,12 +4945,12 @@
       </p:sp>
       <p:grpSp>
         <p:nvGrpSpPr>
-          <p:cNvPr name="Group 19" id="19"/>
+          <p:cNvPr id="19" name="Group 19"/>
           <p:cNvGrpSpPr/>
           <p:nvPr/>
         </p:nvGrpSpPr>
         <p:grpSpPr>
-          <a:xfrm rot="0">
+          <a:xfrm>
             <a:off x="5429580" y="3757357"/>
             <a:ext cx="3155995" cy="960837"/>
             <a:chOff x="0" y="0"/>
@@ -4961,12 +4959,12 @@
         </p:grpSpPr>
         <p:sp>
           <p:nvSpPr>
-            <p:cNvPr name="Freeform 20" id="20"/>
+            <p:cNvPr id="20" name="Freeform 20"/>
             <p:cNvSpPr/>
             <p:nvPr/>
           </p:nvSpPr>
           <p:spPr>
-            <a:xfrm flipH="false" flipV="false" rot="0">
+            <a:xfrm>
               <a:off x="0" y="0"/>
               <a:ext cx="831209" cy="253060"/>
             </a:xfrm>
@@ -4975,9 +4973,9 @@
               <a:gdLst/>
               <a:ahLst/>
               <a:cxnLst/>
-              <a:rect r="r" b="b" t="t" l="l"/>
+              <a:rect l="l" t="t" r="r" b="b"/>
               <a:pathLst>
-                <a:path h="253060" w="831209">
+                <a:path w="831209" h="253060">
                   <a:moveTo>
                     <a:pt x="126530" y="0"/>
                   </a:moveTo>
@@ -5024,8 +5022,8 @@
         </p:sp>
         <p:sp>
           <p:nvSpPr>
-            <p:cNvPr name="TextBox 21" id="21"/>
-            <p:cNvSpPr txBox="true"/>
+            <p:cNvPr id="21" name="TextBox 21"/>
+            <p:cNvSpPr txBox="1"/>
             <p:nvPr/>
           </p:nvSpPr>
           <p:spPr>
@@ -5038,7 +5036,7 @@
             </a:prstGeom>
           </p:spPr>
           <p:txBody>
-            <a:bodyPr anchor="ctr" rtlCol="false" tIns="50800" lIns="50800" bIns="50800" rIns="50800"/>
+            <a:bodyPr lIns="50800" tIns="50800" rIns="50800" bIns="50800" rtlCol="0" anchor="ctr"/>
             <a:lstStyle/>
             <a:p>
               <a:pPr algn="ctr">
@@ -5049,18 +5047,19 @@
                   <a:spcPct val="0"/>
                 </a:spcBef>
               </a:pPr>
+              <a:endParaRPr/>
             </a:p>
           </p:txBody>
         </p:sp>
       </p:grpSp>
       <p:grpSp>
         <p:nvGrpSpPr>
-          <p:cNvPr name="Group 22" id="22"/>
+          <p:cNvPr id="22" name="Group 22"/>
           <p:cNvGrpSpPr/>
           <p:nvPr/>
         </p:nvGrpSpPr>
         <p:grpSpPr>
-          <a:xfrm rot="0">
+          <a:xfrm>
             <a:off x="9833350" y="3757357"/>
             <a:ext cx="3155995" cy="960837"/>
             <a:chOff x="0" y="0"/>
@@ -5069,12 +5068,12 @@
         </p:grpSpPr>
         <p:sp>
           <p:nvSpPr>
-            <p:cNvPr name="Freeform 23" id="23"/>
+            <p:cNvPr id="23" name="Freeform 23"/>
             <p:cNvSpPr/>
             <p:nvPr/>
           </p:nvSpPr>
           <p:spPr>
-            <a:xfrm flipH="false" flipV="false" rot="0">
+            <a:xfrm>
               <a:off x="0" y="0"/>
               <a:ext cx="831209" cy="253060"/>
             </a:xfrm>
@@ -5083,9 +5082,9 @@
               <a:gdLst/>
               <a:ahLst/>
               <a:cxnLst/>
-              <a:rect r="r" b="b" t="t" l="l"/>
+              <a:rect l="l" t="t" r="r" b="b"/>
               <a:pathLst>
-                <a:path h="253060" w="831209">
+                <a:path w="831209" h="253060">
                   <a:moveTo>
                     <a:pt x="126530" y="0"/>
                   </a:moveTo>
@@ -5132,8 +5131,8 @@
         </p:sp>
         <p:sp>
           <p:nvSpPr>
-            <p:cNvPr name="TextBox 24" id="24"/>
-            <p:cNvSpPr txBox="true"/>
+            <p:cNvPr id="24" name="TextBox 24"/>
+            <p:cNvSpPr txBox="1"/>
             <p:nvPr/>
           </p:nvSpPr>
           <p:spPr>
@@ -5146,7 +5145,7 @@
             </a:prstGeom>
           </p:spPr>
           <p:txBody>
-            <a:bodyPr anchor="ctr" rtlCol="false" tIns="50800" lIns="50800" bIns="50800" rIns="50800"/>
+            <a:bodyPr lIns="50800" tIns="50800" rIns="50800" bIns="50800" rtlCol="0" anchor="ctr"/>
             <a:lstStyle/>
             <a:p>
               <a:pPr algn="ctr">
@@ -5157,18 +5156,19 @@
                   <a:spcPct val="0"/>
                 </a:spcBef>
               </a:pPr>
+              <a:endParaRPr/>
             </a:p>
           </p:txBody>
         </p:sp>
       </p:grpSp>
       <p:grpSp>
         <p:nvGrpSpPr>
-          <p:cNvPr name="Group 25" id="25"/>
+          <p:cNvPr id="25" name="Group 25"/>
           <p:cNvGrpSpPr/>
           <p:nvPr/>
         </p:nvGrpSpPr>
         <p:grpSpPr>
-          <a:xfrm rot="0">
+          <a:xfrm>
             <a:off x="13918929" y="3757357"/>
             <a:ext cx="3155995" cy="960837"/>
             <a:chOff x="0" y="0"/>
@@ -5177,12 +5177,12 @@
         </p:grpSpPr>
         <p:sp>
           <p:nvSpPr>
-            <p:cNvPr name="Freeform 26" id="26"/>
+            <p:cNvPr id="26" name="Freeform 26"/>
             <p:cNvSpPr/>
             <p:nvPr/>
           </p:nvSpPr>
           <p:spPr>
-            <a:xfrm flipH="false" flipV="false" rot="0">
+            <a:xfrm>
               <a:off x="0" y="0"/>
               <a:ext cx="831209" cy="253060"/>
             </a:xfrm>
@@ -5191,9 +5191,9 @@
               <a:gdLst/>
               <a:ahLst/>
               <a:cxnLst/>
-              <a:rect r="r" b="b" t="t" l="l"/>
+              <a:rect l="l" t="t" r="r" b="b"/>
               <a:pathLst>
-                <a:path h="253060" w="831209">
+                <a:path w="831209" h="253060">
                   <a:moveTo>
                     <a:pt x="126530" y="0"/>
                   </a:moveTo>
@@ -5240,8 +5240,8 @@
         </p:sp>
         <p:sp>
           <p:nvSpPr>
-            <p:cNvPr name="TextBox 27" id="27"/>
-            <p:cNvSpPr txBox="true"/>
+            <p:cNvPr id="27" name="TextBox 27"/>
+            <p:cNvSpPr txBox="1"/>
             <p:nvPr/>
           </p:nvSpPr>
           <p:spPr>
@@ -5254,7 +5254,7 @@
             </a:prstGeom>
           </p:spPr>
           <p:txBody>
-            <a:bodyPr anchor="ctr" rtlCol="false" tIns="50800" lIns="50800" bIns="50800" rIns="50800"/>
+            <a:bodyPr lIns="50800" tIns="50800" rIns="50800" bIns="50800" rtlCol="0" anchor="ctr"/>
             <a:lstStyle/>
             <a:p>
               <a:pPr algn="ctr">
@@ -5265,18 +5265,19 @@
                   <a:spcPct val="0"/>
                 </a:spcBef>
               </a:pPr>
+              <a:endParaRPr/>
             </a:p>
           </p:txBody>
         </p:sp>
       </p:grpSp>
       <p:sp>
         <p:nvSpPr>
-          <p:cNvPr name="TextBox 28" id="28"/>
-          <p:cNvSpPr txBox="true"/>
-          <p:nvPr/>
-        </p:nvSpPr>
-        <p:spPr>
-          <a:xfrm rot="0">
+          <p:cNvPr id="28" name="TextBox 28"/>
+          <p:cNvSpPr txBox="1"/>
+          <p:nvPr/>
+        </p:nvSpPr>
+        <p:spPr>
+          <a:xfrm>
             <a:off x="5220289" y="4013501"/>
             <a:ext cx="3574577" cy="486649"/>
           </a:xfrm>
@@ -5285,12 +5286,12 @@
           </a:prstGeom>
         </p:spPr>
         <p:txBody>
-          <a:bodyPr anchor="t" rtlCol="false" tIns="0" lIns="0" bIns="0" rIns="0">
+          <a:bodyPr lIns="0" tIns="0" rIns="0" bIns="0" rtlCol="0" anchor="t">
             <a:spAutoFit/>
           </a:bodyPr>
           <a:lstStyle/>
           <a:p>
-            <a:pPr algn="ctr" marL="0" indent="0" lvl="0">
+            <a:pPr marL="0" lvl="0" indent="0" algn="ctr">
               <a:lnSpc>
                 <a:spcPts val="3784"/>
               </a:lnSpc>
@@ -5299,7 +5300,7 @@
               </a:spcBef>
             </a:pPr>
             <a:r>
-              <a:rPr lang="en-US" b="true" sz="3471" spc="90">
+              <a:rPr lang="en-US" sz="3471" b="1" spc="90">
                 <a:solidFill>
                   <a:srgbClr val="5780C0"/>
                 </a:solidFill>
@@ -5315,12 +5316,12 @@
       </p:sp>
       <p:sp>
         <p:nvSpPr>
-          <p:cNvPr name="TextBox 29" id="29"/>
-          <p:cNvSpPr txBox="true"/>
-          <p:nvPr/>
-        </p:nvSpPr>
-        <p:spPr>
-          <a:xfrm rot="0">
+          <p:cNvPr id="29" name="TextBox 29"/>
+          <p:cNvSpPr txBox="1"/>
+          <p:nvPr/>
+        </p:nvSpPr>
+        <p:spPr>
+          <a:xfrm>
             <a:off x="9569609" y="4013501"/>
             <a:ext cx="3574577" cy="486649"/>
           </a:xfrm>
@@ -5329,12 +5330,12 @@
           </a:prstGeom>
         </p:spPr>
         <p:txBody>
-          <a:bodyPr anchor="t" rtlCol="false" tIns="0" lIns="0" bIns="0" rIns="0">
+          <a:bodyPr lIns="0" tIns="0" rIns="0" bIns="0" rtlCol="0" anchor="t">
             <a:spAutoFit/>
           </a:bodyPr>
           <a:lstStyle/>
           <a:p>
-            <a:pPr algn="ctr" marL="0" indent="0" lvl="0">
+            <a:pPr marL="0" lvl="0" indent="0" algn="ctr">
               <a:lnSpc>
                 <a:spcPts val="3784"/>
               </a:lnSpc>
@@ -5343,7 +5344,7 @@
               </a:spcBef>
             </a:pPr>
             <a:r>
-              <a:rPr lang="en-US" b="true" sz="3471" spc="90">
+              <a:rPr lang="en-US" sz="3471" b="1" spc="90">
                 <a:solidFill>
                   <a:srgbClr val="5780C0"/>
                 </a:solidFill>
@@ -5359,12 +5360,12 @@
       </p:sp>
       <p:sp>
         <p:nvSpPr>
-          <p:cNvPr name="TextBox 30" id="30"/>
-          <p:cNvSpPr txBox="true"/>
-          <p:nvPr/>
-        </p:nvSpPr>
-        <p:spPr>
-          <a:xfrm rot="0">
+          <p:cNvPr id="30" name="TextBox 30"/>
+          <p:cNvSpPr txBox="1"/>
+          <p:nvPr/>
+        </p:nvSpPr>
+        <p:spPr>
+          <a:xfrm>
             <a:off x="13728688" y="4013501"/>
             <a:ext cx="3574577" cy="486649"/>
           </a:xfrm>
@@ -5373,12 +5374,12 @@
           </a:prstGeom>
         </p:spPr>
         <p:txBody>
-          <a:bodyPr anchor="t" rtlCol="false" tIns="0" lIns="0" bIns="0" rIns="0">
+          <a:bodyPr lIns="0" tIns="0" rIns="0" bIns="0" rtlCol="0" anchor="t">
             <a:spAutoFit/>
           </a:bodyPr>
           <a:lstStyle/>
           <a:p>
-            <a:pPr algn="ctr" marL="0" indent="0" lvl="0">
+            <a:pPr marL="0" lvl="0" indent="0" algn="ctr">
               <a:lnSpc>
                 <a:spcPts val="3784"/>
               </a:lnSpc>
@@ -5387,7 +5388,7 @@
               </a:spcBef>
             </a:pPr>
             <a:r>
-              <a:rPr lang="en-US" b="true" sz="3471" spc="90">
+              <a:rPr lang="en-US" sz="3471" b="1" spc="90">
                 <a:solidFill>
                   <a:srgbClr val="5780C0"/>
                 </a:solidFill>
@@ -5403,7 +5404,7 @@
       </p:sp>
       <p:sp>
         <p:nvSpPr>
-          <p:cNvPr name="AutoShape 31" id="31"/>
+          <p:cNvPr id="31" name="AutoShape 31"/>
           <p:cNvSpPr/>
           <p:nvPr/>
         </p:nvSpPr>
@@ -5415,139 +5416,139 @@
           <a:prstGeom prst="line">
             <a:avLst/>
           </a:prstGeom>
-          <a:ln cap="flat" w="38100">
+          <a:ln w="38100" cap="flat">
             <a:solidFill>
               <a:srgbClr val="FFFFFF"/>
             </a:solidFill>
             <a:prstDash val="solid"/>
-            <a:headEnd type="none" len="sm" w="sm"/>
-            <a:tailEnd type="none" len="sm" w="sm"/>
+            <a:headEnd type="none" w="sm" len="sm"/>
+            <a:tailEnd type="none" w="sm" len="sm"/>
           </a:ln>
         </p:spPr>
       </p:sp>
       <p:sp>
         <p:nvSpPr>
-          <p:cNvPr name="AutoShape 32" id="32"/>
+          <p:cNvPr id="32" name="AutoShape 32"/>
           <p:cNvSpPr/>
           <p:nvPr/>
         </p:nvSpPr>
         <p:spPr>
-          <a:xfrm flipV="true">
+          <a:xfrm flipV="1">
             <a:off x="1691288" y="5162550"/>
             <a:ext cx="545780" cy="0"/>
           </a:xfrm>
           <a:prstGeom prst="line">
             <a:avLst/>
           </a:prstGeom>
-          <a:ln cap="flat" w="38100">
+          <a:ln w="38100" cap="flat">
             <a:solidFill>
               <a:srgbClr val="FFFFFF"/>
             </a:solidFill>
             <a:prstDash val="solid"/>
-            <a:headEnd type="none" len="sm" w="sm"/>
-            <a:tailEnd type="none" len="sm" w="sm"/>
+            <a:headEnd type="none" w="sm" len="sm"/>
+            <a:tailEnd type="none" w="sm" len="sm"/>
           </a:ln>
         </p:spPr>
       </p:sp>
       <p:sp>
         <p:nvSpPr>
-          <p:cNvPr name="AutoShape 33" id="33"/>
+          <p:cNvPr id="33" name="AutoShape 33"/>
           <p:cNvSpPr/>
           <p:nvPr/>
         </p:nvSpPr>
         <p:spPr>
-          <a:xfrm flipV="true">
+          <a:xfrm flipV="1">
             <a:off x="1691288" y="5992177"/>
             <a:ext cx="545780" cy="0"/>
           </a:xfrm>
           <a:prstGeom prst="line">
             <a:avLst/>
           </a:prstGeom>
-          <a:ln cap="flat" w="38100">
+          <a:ln w="38100" cap="flat">
             <a:solidFill>
               <a:srgbClr val="FFFFFF"/>
             </a:solidFill>
             <a:prstDash val="solid"/>
-            <a:headEnd type="none" len="sm" w="sm"/>
-            <a:tailEnd type="none" len="sm" w="sm"/>
+            <a:headEnd type="none" w="sm" len="sm"/>
+            <a:tailEnd type="none" w="sm" len="sm"/>
           </a:ln>
         </p:spPr>
       </p:sp>
       <p:sp>
         <p:nvSpPr>
-          <p:cNvPr name="AutoShape 34" id="34"/>
+          <p:cNvPr id="34" name="AutoShape 34"/>
           <p:cNvSpPr/>
           <p:nvPr/>
         </p:nvSpPr>
         <p:spPr>
-          <a:xfrm flipV="true">
+          <a:xfrm flipV="1">
             <a:off x="1691288" y="6820852"/>
             <a:ext cx="545780" cy="0"/>
           </a:xfrm>
           <a:prstGeom prst="line">
             <a:avLst/>
           </a:prstGeom>
-          <a:ln cap="flat" w="38100">
+          <a:ln w="38100" cap="flat">
             <a:solidFill>
               <a:srgbClr val="FFFFFF"/>
             </a:solidFill>
             <a:prstDash val="solid"/>
-            <a:headEnd type="none" len="sm" w="sm"/>
-            <a:tailEnd type="none" len="sm" w="sm"/>
+            <a:headEnd type="none" w="sm" len="sm"/>
+            <a:tailEnd type="none" w="sm" len="sm"/>
           </a:ln>
         </p:spPr>
       </p:sp>
       <p:sp>
         <p:nvSpPr>
-          <p:cNvPr name="AutoShape 35" id="35"/>
+          <p:cNvPr id="35" name="AutoShape 35"/>
           <p:cNvSpPr/>
           <p:nvPr/>
         </p:nvSpPr>
         <p:spPr>
-          <a:xfrm flipV="true">
+          <a:xfrm flipV="1">
             <a:off x="1691288" y="7649527"/>
             <a:ext cx="545780" cy="0"/>
           </a:xfrm>
           <a:prstGeom prst="line">
             <a:avLst/>
           </a:prstGeom>
-          <a:ln cap="flat" w="38100">
+          <a:ln w="38100" cap="flat">
             <a:solidFill>
               <a:srgbClr val="FFFFFF"/>
             </a:solidFill>
             <a:prstDash val="solid"/>
-            <a:headEnd type="none" len="sm" w="sm"/>
-            <a:tailEnd type="none" len="sm" w="sm"/>
+            <a:headEnd type="none" w="sm" len="sm"/>
+            <a:tailEnd type="none" w="sm" len="sm"/>
           </a:ln>
         </p:spPr>
       </p:sp>
       <p:sp>
         <p:nvSpPr>
-          <p:cNvPr name="AutoShape 36" id="36"/>
+          <p:cNvPr id="36" name="AutoShape 36"/>
           <p:cNvSpPr/>
           <p:nvPr/>
         </p:nvSpPr>
         <p:spPr>
-          <a:xfrm flipV="true">
+          <a:xfrm flipV="1">
             <a:off x="1672238" y="8478202"/>
             <a:ext cx="545780" cy="0"/>
           </a:xfrm>
           <a:prstGeom prst="line">
             <a:avLst/>
           </a:prstGeom>
-          <a:ln cap="flat" w="38100">
+          <a:ln w="38100" cap="flat">
             <a:solidFill>
               <a:srgbClr val="FFFFFF"/>
             </a:solidFill>
             <a:prstDash val="solid"/>
-            <a:headEnd type="none" len="sm" w="sm"/>
-            <a:tailEnd type="none" len="sm" w="sm"/>
+            <a:headEnd type="none" w="sm" len="sm"/>
+            <a:tailEnd type="none" w="sm" len="sm"/>
           </a:ln>
         </p:spPr>
       </p:sp>
       <p:sp>
         <p:nvSpPr>
-          <p:cNvPr name="AutoShape 37" id="37"/>
+          <p:cNvPr id="37" name="AutoShape 37"/>
           <p:cNvSpPr/>
           <p:nvPr/>
         </p:nvSpPr>
@@ -5559,24 +5560,24 @@
           <a:prstGeom prst="line">
             <a:avLst/>
           </a:prstGeom>
-          <a:ln cap="flat" w="38100">
+          <a:ln w="38100" cap="flat">
             <a:solidFill>
               <a:srgbClr val="FFFFFF"/>
             </a:solidFill>
             <a:prstDash val="solid"/>
-            <a:headEnd type="none" len="sm" w="sm"/>
-            <a:tailEnd type="none" len="sm" w="sm"/>
+            <a:headEnd type="none" w="sm" len="sm"/>
+            <a:tailEnd type="none" w="sm" len="sm"/>
           </a:ln>
         </p:spPr>
       </p:sp>
       <p:sp>
         <p:nvSpPr>
-          <p:cNvPr name="TextBox 38" id="38"/>
-          <p:cNvSpPr txBox="true"/>
-          <p:nvPr/>
-        </p:nvSpPr>
-        <p:spPr>
-          <a:xfrm rot="0">
+          <p:cNvPr id="38" name="TextBox 38"/>
+          <p:cNvSpPr txBox="1"/>
+          <p:nvPr/>
+        </p:nvSpPr>
+        <p:spPr>
+          <a:xfrm>
             <a:off x="2501643" y="4955858"/>
             <a:ext cx="3189987" cy="413384"/>
           </a:xfrm>
@@ -5585,12 +5586,12 @@
           </a:prstGeom>
         </p:spPr>
         <p:txBody>
-          <a:bodyPr anchor="t" rtlCol="false" tIns="0" lIns="0" bIns="0" rIns="0">
+          <a:bodyPr lIns="0" tIns="0" rIns="0" bIns="0" rtlCol="0" anchor="t">
             <a:spAutoFit/>
           </a:bodyPr>
           <a:lstStyle/>
           <a:p>
-            <a:pPr algn="just" marL="0" indent="0" lvl="0">
+            <a:pPr marL="0" lvl="0" indent="0" algn="just">
               <a:lnSpc>
                 <a:spcPts val="3269"/>
               </a:lnSpc>
@@ -5615,12 +5616,12 @@
       </p:sp>
       <p:sp>
         <p:nvSpPr>
-          <p:cNvPr name="TextBox 39" id="39"/>
-          <p:cNvSpPr txBox="true"/>
-          <p:nvPr/>
-        </p:nvSpPr>
-        <p:spPr>
-          <a:xfrm rot="0">
+          <p:cNvPr id="39" name="TextBox 39"/>
+          <p:cNvSpPr txBox="1"/>
+          <p:nvPr/>
+        </p:nvSpPr>
+        <p:spPr>
+          <a:xfrm>
             <a:off x="2501643" y="7461884"/>
             <a:ext cx="3189987" cy="413384"/>
           </a:xfrm>
@@ -5629,12 +5630,12 @@
           </a:prstGeom>
         </p:spPr>
         <p:txBody>
-          <a:bodyPr anchor="t" rtlCol="false" tIns="0" lIns="0" bIns="0" rIns="0">
+          <a:bodyPr lIns="0" tIns="0" rIns="0" bIns="0" rtlCol="0" anchor="t">
             <a:spAutoFit/>
           </a:bodyPr>
           <a:lstStyle/>
           <a:p>
-            <a:pPr algn="just" marL="0" indent="0" lvl="0">
+            <a:pPr marL="0" lvl="0" indent="0" algn="just">
               <a:lnSpc>
                 <a:spcPts val="3269"/>
               </a:lnSpc>
@@ -5659,12 +5660,12 @@
       </p:sp>
       <p:sp>
         <p:nvSpPr>
-          <p:cNvPr name="TextBox 40" id="40"/>
-          <p:cNvSpPr txBox="true"/>
-          <p:nvPr/>
-        </p:nvSpPr>
-        <p:spPr>
-          <a:xfrm rot="0">
+          <p:cNvPr id="40" name="TextBox 40"/>
+          <p:cNvSpPr txBox="1"/>
+          <p:nvPr/>
+        </p:nvSpPr>
+        <p:spPr>
+          <a:xfrm>
             <a:off x="2501643" y="8290559"/>
             <a:ext cx="3189987" cy="413384"/>
           </a:xfrm>
@@ -5673,12 +5674,12 @@
           </a:prstGeom>
         </p:spPr>
         <p:txBody>
-          <a:bodyPr anchor="t" rtlCol="false" tIns="0" lIns="0" bIns="0" rIns="0">
+          <a:bodyPr lIns="0" tIns="0" rIns="0" bIns="0" rtlCol="0" anchor="t">
             <a:spAutoFit/>
           </a:bodyPr>
           <a:lstStyle/>
           <a:p>
-            <a:pPr algn="just" marL="0" indent="0" lvl="0">
+            <a:pPr marL="0" lvl="0" indent="0" algn="just">
               <a:lnSpc>
                 <a:spcPts val="3269"/>
               </a:lnSpc>
@@ -5703,12 +5704,12 @@
       </p:sp>
       <p:sp>
         <p:nvSpPr>
-          <p:cNvPr name="TextBox 41" id="41"/>
-          <p:cNvSpPr txBox="true"/>
-          <p:nvPr/>
-        </p:nvSpPr>
-        <p:spPr>
-          <a:xfrm rot="0">
+          <p:cNvPr id="41" name="TextBox 41"/>
+          <p:cNvSpPr txBox="1"/>
+          <p:nvPr/>
+        </p:nvSpPr>
+        <p:spPr>
+          <a:xfrm>
             <a:off x="2501643" y="9017317"/>
             <a:ext cx="2402454" cy="413384"/>
           </a:xfrm>
@@ -5717,12 +5718,12 @@
           </a:prstGeom>
         </p:spPr>
         <p:txBody>
-          <a:bodyPr anchor="t" rtlCol="false" tIns="0" lIns="0" bIns="0" rIns="0">
+          <a:bodyPr lIns="0" tIns="0" rIns="0" bIns="0" rtlCol="0" anchor="t">
             <a:spAutoFit/>
           </a:bodyPr>
           <a:lstStyle/>
           <a:p>
-            <a:pPr algn="just" marL="0" indent="0" lvl="0">
+            <a:pPr marL="0" lvl="0" indent="0" algn="just">
               <a:lnSpc>
                 <a:spcPts val="3269"/>
               </a:lnSpc>
@@ -5747,12 +5748,12 @@
       </p:sp>
       <p:sp>
         <p:nvSpPr>
-          <p:cNvPr name="TextBox 42" id="42"/>
-          <p:cNvSpPr txBox="true"/>
-          <p:nvPr/>
-        </p:nvSpPr>
-        <p:spPr>
-          <a:xfrm rot="0">
+          <p:cNvPr id="42" name="TextBox 42"/>
+          <p:cNvSpPr txBox="1"/>
+          <p:nvPr/>
+        </p:nvSpPr>
+        <p:spPr>
+          <a:xfrm>
             <a:off x="2501643" y="6629400"/>
             <a:ext cx="3189987" cy="413384"/>
           </a:xfrm>
@@ -5761,12 +5762,12 @@
           </a:prstGeom>
         </p:spPr>
         <p:txBody>
-          <a:bodyPr anchor="t" rtlCol="false" tIns="0" lIns="0" bIns="0" rIns="0">
+          <a:bodyPr lIns="0" tIns="0" rIns="0" bIns="0" rtlCol="0" anchor="t">
             <a:spAutoFit/>
           </a:bodyPr>
           <a:lstStyle/>
           <a:p>
-            <a:pPr algn="just" marL="0" indent="0" lvl="0">
+            <a:pPr marL="0" lvl="0" indent="0" algn="just">
               <a:lnSpc>
                 <a:spcPts val="3269"/>
               </a:lnSpc>
@@ -5791,12 +5792,12 @@
       </p:sp>
       <p:sp>
         <p:nvSpPr>
-          <p:cNvPr name="TextBox 43" id="43"/>
-          <p:cNvSpPr txBox="true"/>
-          <p:nvPr/>
-        </p:nvSpPr>
-        <p:spPr>
-          <a:xfrm rot="0">
+          <p:cNvPr id="43" name="TextBox 43"/>
+          <p:cNvSpPr txBox="1"/>
+          <p:nvPr/>
+        </p:nvSpPr>
+        <p:spPr>
+          <a:xfrm>
             <a:off x="2501643" y="5796916"/>
             <a:ext cx="3189987" cy="413384"/>
           </a:xfrm>
@@ -5805,12 +5806,12 @@
           </a:prstGeom>
         </p:spPr>
         <p:txBody>
-          <a:bodyPr anchor="t" rtlCol="false" tIns="0" lIns="0" bIns="0" rIns="0">
+          <a:bodyPr lIns="0" tIns="0" rIns="0" bIns="0" rtlCol="0" anchor="t">
             <a:spAutoFit/>
           </a:bodyPr>
           <a:lstStyle/>
           <a:p>
-            <a:pPr algn="just" marL="0" indent="0" lvl="0">
+            <a:pPr marL="0" lvl="0" indent="0" algn="just">
               <a:lnSpc>
                 <a:spcPts val="3269"/>
               </a:lnSpc>
@@ -5835,7 +5836,7 @@
       </p:sp>
       <p:sp>
         <p:nvSpPr>
-          <p:cNvPr name="AutoShape 44" id="44"/>
+          <p:cNvPr id="44" name="AutoShape 44"/>
           <p:cNvSpPr/>
           <p:nvPr/>
         </p:nvSpPr>
@@ -5847,187 +5848,187 @@
           <a:prstGeom prst="line">
             <a:avLst/>
           </a:prstGeom>
-          <a:ln cap="flat" w="38100">
+          <a:ln w="38100" cap="flat">
             <a:solidFill>
               <a:srgbClr val="FFFFFF"/>
             </a:solidFill>
             <a:prstDash val="solid"/>
-            <a:headEnd type="none" len="sm" w="sm"/>
-            <a:tailEnd type="none" len="sm" w="sm"/>
+            <a:headEnd type="none" w="sm" len="sm"/>
+            <a:tailEnd type="none" w="sm" len="sm"/>
           </a:ln>
         </p:spPr>
       </p:sp>
       <p:sp>
         <p:nvSpPr>
-          <p:cNvPr name="AutoShape 45" id="45"/>
+          <p:cNvPr id="45" name="AutoShape 45"/>
           <p:cNvSpPr/>
           <p:nvPr/>
         </p:nvSpPr>
         <p:spPr>
-          <a:xfrm flipV="true">
+          <a:xfrm flipV="1">
             <a:off x="6035209" y="5124450"/>
             <a:ext cx="545780" cy="0"/>
           </a:xfrm>
           <a:prstGeom prst="line">
             <a:avLst/>
           </a:prstGeom>
-          <a:ln cap="flat" w="38100">
+          <a:ln w="38100" cap="flat">
             <a:solidFill>
               <a:srgbClr val="FFFFFF"/>
             </a:solidFill>
             <a:prstDash val="solid"/>
-            <a:headEnd type="none" len="sm" w="sm"/>
-            <a:tailEnd type="none" len="sm" w="sm"/>
+            <a:headEnd type="none" w="sm" len="sm"/>
+            <a:tailEnd type="none" w="sm" len="sm"/>
           </a:ln>
         </p:spPr>
       </p:sp>
       <p:sp>
         <p:nvSpPr>
-          <p:cNvPr name="AutoShape 46" id="46"/>
+          <p:cNvPr id="46" name="AutoShape 46"/>
           <p:cNvSpPr/>
           <p:nvPr/>
         </p:nvSpPr>
         <p:spPr>
-          <a:xfrm flipV="true">
+          <a:xfrm flipV="1">
             <a:off x="6054259" y="5758816"/>
             <a:ext cx="545780" cy="0"/>
           </a:xfrm>
           <a:prstGeom prst="line">
             <a:avLst/>
           </a:prstGeom>
-          <a:ln cap="flat" w="38100">
+          <a:ln w="38100" cap="flat">
             <a:solidFill>
               <a:srgbClr val="FFFFFF"/>
             </a:solidFill>
             <a:prstDash val="solid"/>
-            <a:headEnd type="none" len="sm" w="sm"/>
-            <a:tailEnd type="none" len="sm" w="sm"/>
+            <a:headEnd type="none" w="sm" len="sm"/>
+            <a:tailEnd type="none" w="sm" len="sm"/>
           </a:ln>
         </p:spPr>
       </p:sp>
       <p:sp>
         <p:nvSpPr>
-          <p:cNvPr name="AutoShape 47" id="47"/>
+          <p:cNvPr id="47" name="AutoShape 47"/>
           <p:cNvSpPr/>
           <p:nvPr/>
         </p:nvSpPr>
         <p:spPr>
-          <a:xfrm flipV="true">
+          <a:xfrm flipV="1">
             <a:off x="6054259" y="6519263"/>
             <a:ext cx="545780" cy="0"/>
           </a:xfrm>
           <a:prstGeom prst="line">
             <a:avLst/>
           </a:prstGeom>
-          <a:ln cap="flat" w="38100">
+          <a:ln w="38100" cap="flat">
             <a:solidFill>
               <a:srgbClr val="FFFFFF"/>
             </a:solidFill>
             <a:prstDash val="solid"/>
-            <a:headEnd type="none" len="sm" w="sm"/>
-            <a:tailEnd type="none" len="sm" w="sm"/>
+            <a:headEnd type="none" w="sm" len="sm"/>
+            <a:tailEnd type="none" w="sm" len="sm"/>
           </a:ln>
         </p:spPr>
       </p:sp>
       <p:sp>
         <p:nvSpPr>
-          <p:cNvPr name="AutoShape 48" id="48"/>
+          <p:cNvPr id="48" name="AutoShape 48"/>
           <p:cNvSpPr/>
           <p:nvPr/>
         </p:nvSpPr>
         <p:spPr>
-          <a:xfrm flipV="true">
+          <a:xfrm flipV="1">
             <a:off x="6035209" y="7252688"/>
             <a:ext cx="545780" cy="0"/>
           </a:xfrm>
           <a:prstGeom prst="line">
             <a:avLst/>
           </a:prstGeom>
-          <a:ln cap="flat" w="38100">
+          <a:ln w="38100" cap="flat">
             <a:solidFill>
               <a:srgbClr val="FFFFFF"/>
             </a:solidFill>
             <a:prstDash val="solid"/>
-            <a:headEnd type="none" len="sm" w="sm"/>
-            <a:tailEnd type="none" len="sm" w="sm"/>
+            <a:headEnd type="none" w="sm" len="sm"/>
+            <a:tailEnd type="none" w="sm" len="sm"/>
           </a:ln>
         </p:spPr>
       </p:sp>
       <p:sp>
         <p:nvSpPr>
-          <p:cNvPr name="AutoShape 49" id="49"/>
+          <p:cNvPr id="49" name="AutoShape 49"/>
           <p:cNvSpPr/>
           <p:nvPr/>
         </p:nvSpPr>
         <p:spPr>
-          <a:xfrm flipV="true">
+          <a:xfrm flipV="1">
             <a:off x="6035209" y="7986113"/>
             <a:ext cx="545780" cy="0"/>
           </a:xfrm>
           <a:prstGeom prst="line">
             <a:avLst/>
           </a:prstGeom>
-          <a:ln cap="flat" w="38100">
+          <a:ln w="38100" cap="flat">
             <a:solidFill>
               <a:srgbClr val="FFFFFF"/>
             </a:solidFill>
             <a:prstDash val="solid"/>
-            <a:headEnd type="none" len="sm" w="sm"/>
-            <a:tailEnd type="none" len="sm" w="sm"/>
+            <a:headEnd type="none" w="sm" len="sm"/>
+            <a:tailEnd type="none" w="sm" len="sm"/>
           </a:ln>
         </p:spPr>
       </p:sp>
       <p:sp>
         <p:nvSpPr>
-          <p:cNvPr name="AutoShape 50" id="50"/>
+          <p:cNvPr id="50" name="AutoShape 50"/>
           <p:cNvSpPr/>
           <p:nvPr/>
         </p:nvSpPr>
         <p:spPr>
-          <a:xfrm flipV="true">
+          <a:xfrm flipV="1">
             <a:off x="6054259" y="8722994"/>
             <a:ext cx="545780" cy="0"/>
           </a:xfrm>
           <a:prstGeom prst="line">
             <a:avLst/>
           </a:prstGeom>
-          <a:ln cap="flat" w="38100">
+          <a:ln w="38100" cap="flat">
             <a:solidFill>
               <a:srgbClr val="FFFFFF"/>
             </a:solidFill>
             <a:prstDash val="solid"/>
-            <a:headEnd type="none" len="sm" w="sm"/>
-            <a:tailEnd type="none" len="sm" w="sm"/>
+            <a:headEnd type="none" w="sm" len="sm"/>
+            <a:tailEnd type="none" w="sm" len="sm"/>
           </a:ln>
         </p:spPr>
       </p:sp>
       <p:sp>
         <p:nvSpPr>
-          <p:cNvPr name="AutoShape 51" id="51"/>
+          <p:cNvPr id="51" name="AutoShape 51"/>
           <p:cNvSpPr/>
           <p:nvPr/>
         </p:nvSpPr>
         <p:spPr>
-          <a:xfrm flipV="true">
+          <a:xfrm flipV="1">
             <a:off x="10517696" y="5124450"/>
             <a:ext cx="545780" cy="0"/>
           </a:xfrm>
           <a:prstGeom prst="line">
             <a:avLst/>
           </a:prstGeom>
-          <a:ln cap="flat" w="38100">
+          <a:ln w="38100" cap="flat">
             <a:solidFill>
               <a:srgbClr val="FFFFFF"/>
             </a:solidFill>
             <a:prstDash val="solid"/>
-            <a:headEnd type="none" len="sm" w="sm"/>
-            <a:tailEnd type="none" len="sm" w="sm"/>
+            <a:headEnd type="none" w="sm" len="sm"/>
+            <a:tailEnd type="none" w="sm" len="sm"/>
           </a:ln>
         </p:spPr>
       </p:sp>
       <p:sp>
         <p:nvSpPr>
-          <p:cNvPr name="AutoShape 52" id="52"/>
+          <p:cNvPr id="52" name="AutoShape 52"/>
           <p:cNvSpPr/>
           <p:nvPr/>
         </p:nvSpPr>
@@ -6039,24 +6040,24 @@
           <a:prstGeom prst="line">
             <a:avLst/>
           </a:prstGeom>
-          <a:ln cap="flat" w="38100">
+          <a:ln w="38100" cap="flat">
             <a:solidFill>
               <a:srgbClr val="FFFFFF"/>
             </a:solidFill>
             <a:prstDash val="solid"/>
-            <a:headEnd type="none" len="sm" w="sm"/>
-            <a:tailEnd type="none" len="sm" w="sm"/>
+            <a:headEnd type="none" w="sm" len="sm"/>
+            <a:tailEnd type="none" w="sm" len="sm"/>
           </a:ln>
         </p:spPr>
       </p:sp>
       <p:sp>
         <p:nvSpPr>
-          <p:cNvPr name="TextBox 53" id="53"/>
-          <p:cNvSpPr txBox="true"/>
-          <p:nvPr/>
-        </p:nvSpPr>
-        <p:spPr>
-          <a:xfrm rot="0">
+          <p:cNvPr id="53" name="TextBox 53"/>
+          <p:cNvSpPr txBox="1"/>
+          <p:nvPr/>
+        </p:nvSpPr>
+        <p:spPr>
+          <a:xfrm>
             <a:off x="6698025" y="4936808"/>
             <a:ext cx="2576899" cy="413384"/>
           </a:xfrm>
@@ -6065,12 +6066,12 @@
           </a:prstGeom>
         </p:spPr>
         <p:txBody>
-          <a:bodyPr anchor="t" rtlCol="false" tIns="0" lIns="0" bIns="0" rIns="0">
+          <a:bodyPr lIns="0" tIns="0" rIns="0" bIns="0" rtlCol="0" anchor="t">
             <a:spAutoFit/>
           </a:bodyPr>
           <a:lstStyle/>
           <a:p>
-            <a:pPr algn="just" marL="0" indent="0" lvl="0">
+            <a:pPr marL="0" lvl="0" indent="0" algn="just">
               <a:lnSpc>
                 <a:spcPts val="3269"/>
               </a:lnSpc>
@@ -6095,12 +6096,12 @@
       </p:sp>
       <p:sp>
         <p:nvSpPr>
-          <p:cNvPr name="TextBox 54" id="54"/>
-          <p:cNvSpPr txBox="true"/>
-          <p:nvPr/>
-        </p:nvSpPr>
-        <p:spPr>
-          <a:xfrm rot="0">
+          <p:cNvPr id="54" name="TextBox 54"/>
+          <p:cNvSpPr txBox="1"/>
+          <p:nvPr/>
+        </p:nvSpPr>
+        <p:spPr>
+          <a:xfrm>
             <a:off x="6698025" y="5642011"/>
             <a:ext cx="2445975" cy="413384"/>
           </a:xfrm>
@@ -6109,12 +6110,12 @@
           </a:prstGeom>
         </p:spPr>
         <p:txBody>
-          <a:bodyPr anchor="t" rtlCol="false" tIns="0" lIns="0" bIns="0" rIns="0">
+          <a:bodyPr lIns="0" tIns="0" rIns="0" bIns="0" rtlCol="0" anchor="t">
             <a:spAutoFit/>
           </a:bodyPr>
           <a:lstStyle/>
           <a:p>
-            <a:pPr algn="just" marL="0" indent="0" lvl="0">
+            <a:pPr marL="0" lvl="0" indent="0" algn="just">
               <a:lnSpc>
                 <a:spcPts val="3269"/>
               </a:lnSpc>
@@ -6139,12 +6140,12 @@
       </p:sp>
       <p:sp>
         <p:nvSpPr>
-          <p:cNvPr name="TextBox 55" id="55"/>
-          <p:cNvSpPr txBox="true"/>
-          <p:nvPr/>
-        </p:nvSpPr>
-        <p:spPr>
-          <a:xfrm rot="0">
+          <p:cNvPr id="55" name="TextBox 55"/>
+          <p:cNvSpPr txBox="1"/>
+          <p:nvPr/>
+        </p:nvSpPr>
+        <p:spPr>
+          <a:xfrm>
             <a:off x="6698025" y="6331621"/>
             <a:ext cx="2220111" cy="413384"/>
           </a:xfrm>
@@ -6153,12 +6154,12 @@
           </a:prstGeom>
         </p:spPr>
         <p:txBody>
-          <a:bodyPr anchor="t" rtlCol="false" tIns="0" lIns="0" bIns="0" rIns="0">
+          <a:bodyPr lIns="0" tIns="0" rIns="0" bIns="0" rtlCol="0" anchor="t">
             <a:spAutoFit/>
           </a:bodyPr>
           <a:lstStyle/>
           <a:p>
-            <a:pPr algn="just" marL="0" indent="0" lvl="0">
+            <a:pPr marL="0" lvl="0" indent="0" algn="just">
               <a:lnSpc>
                 <a:spcPts val="3269"/>
               </a:lnSpc>
@@ -6183,12 +6184,12 @@
       </p:sp>
       <p:sp>
         <p:nvSpPr>
-          <p:cNvPr name="TextBox 56" id="56"/>
-          <p:cNvSpPr txBox="true"/>
-          <p:nvPr/>
-        </p:nvSpPr>
-        <p:spPr>
-          <a:xfrm rot="0">
+          <p:cNvPr id="56" name="TextBox 56"/>
+          <p:cNvSpPr txBox="1"/>
+          <p:nvPr/>
+        </p:nvSpPr>
+        <p:spPr>
+          <a:xfrm>
             <a:off x="6698025" y="7106955"/>
             <a:ext cx="1887550" cy="413384"/>
           </a:xfrm>
@@ -6197,12 +6198,12 @@
           </a:prstGeom>
         </p:spPr>
         <p:txBody>
-          <a:bodyPr anchor="t" rtlCol="false" tIns="0" lIns="0" bIns="0" rIns="0">
+          <a:bodyPr lIns="0" tIns="0" rIns="0" bIns="0" rtlCol="0" anchor="t">
             <a:spAutoFit/>
           </a:bodyPr>
           <a:lstStyle/>
           <a:p>
-            <a:pPr algn="just" marL="0" indent="0" lvl="0">
+            <a:pPr marL="0" lvl="0" indent="0" algn="just">
               <a:lnSpc>
                 <a:spcPts val="3269"/>
               </a:lnSpc>
@@ -6227,12 +6228,12 @@
       </p:sp>
       <p:sp>
         <p:nvSpPr>
-          <p:cNvPr name="TextBox 57" id="57"/>
-          <p:cNvSpPr txBox="true"/>
-          <p:nvPr/>
-        </p:nvSpPr>
-        <p:spPr>
-          <a:xfrm rot="0">
+          <p:cNvPr id="57" name="TextBox 57"/>
+          <p:cNvSpPr txBox="1"/>
+          <p:nvPr/>
+        </p:nvSpPr>
+        <p:spPr>
+          <a:xfrm>
             <a:off x="6698025" y="7798471"/>
             <a:ext cx="1887550" cy="413384"/>
           </a:xfrm>
@@ -6241,12 +6242,12 @@
           </a:prstGeom>
         </p:spPr>
         <p:txBody>
-          <a:bodyPr anchor="t" rtlCol="false" tIns="0" lIns="0" bIns="0" rIns="0">
+          <a:bodyPr lIns="0" tIns="0" rIns="0" bIns="0" rtlCol="0" anchor="t">
             <a:spAutoFit/>
           </a:bodyPr>
           <a:lstStyle/>
           <a:p>
-            <a:pPr algn="just" marL="0" indent="0" lvl="0">
+            <a:pPr marL="0" lvl="0" indent="0" algn="just">
               <a:lnSpc>
                 <a:spcPts val="3269"/>
               </a:lnSpc>
@@ -6271,12 +6272,12 @@
       </p:sp>
       <p:sp>
         <p:nvSpPr>
-          <p:cNvPr name="TextBox 58" id="58"/>
-          <p:cNvSpPr txBox="true"/>
-          <p:nvPr/>
-        </p:nvSpPr>
-        <p:spPr>
-          <a:xfrm rot="0">
+          <p:cNvPr id="58" name="TextBox 58"/>
+          <p:cNvSpPr txBox="1"/>
+          <p:nvPr/>
+        </p:nvSpPr>
+        <p:spPr>
+          <a:xfrm>
             <a:off x="6698025" y="8516302"/>
             <a:ext cx="2402454" cy="413384"/>
           </a:xfrm>
@@ -6285,12 +6286,12 @@
           </a:prstGeom>
         </p:spPr>
         <p:txBody>
-          <a:bodyPr anchor="t" rtlCol="false" tIns="0" lIns="0" bIns="0" rIns="0">
+          <a:bodyPr lIns="0" tIns="0" rIns="0" bIns="0" rtlCol="0" anchor="t">
             <a:spAutoFit/>
           </a:bodyPr>
           <a:lstStyle/>
           <a:p>
-            <a:pPr algn="just" marL="0" indent="0" lvl="0">
+            <a:pPr marL="0" lvl="0" indent="0" algn="just">
               <a:lnSpc>
                 <a:spcPts val="3269"/>
               </a:lnSpc>
@@ -6315,12 +6316,12 @@
       </p:sp>
       <p:sp>
         <p:nvSpPr>
-          <p:cNvPr name="TextBox 59" id="59"/>
-          <p:cNvSpPr txBox="true"/>
-          <p:nvPr/>
-        </p:nvSpPr>
-        <p:spPr>
-          <a:xfrm rot="0">
+          <p:cNvPr id="59" name="TextBox 59"/>
+          <p:cNvSpPr txBox="1"/>
+          <p:nvPr/>
+        </p:nvSpPr>
+        <p:spPr>
+          <a:xfrm>
             <a:off x="6741546" y="9291636"/>
             <a:ext cx="2533378" cy="413384"/>
           </a:xfrm>
@@ -6329,12 +6330,12 @@
           </a:prstGeom>
         </p:spPr>
         <p:txBody>
-          <a:bodyPr anchor="t" rtlCol="false" tIns="0" lIns="0" bIns="0" rIns="0">
+          <a:bodyPr lIns="0" tIns="0" rIns="0" bIns="0" rtlCol="0" anchor="t">
             <a:spAutoFit/>
           </a:bodyPr>
           <a:lstStyle/>
           <a:p>
-            <a:pPr algn="just" marL="0" indent="0" lvl="0">
+            <a:pPr marL="0" lvl="0" indent="0" algn="just">
               <a:lnSpc>
                 <a:spcPts val="3269"/>
               </a:lnSpc>
@@ -6359,7 +6360,7 @@
       </p:sp>
       <p:sp>
         <p:nvSpPr>
-          <p:cNvPr name="AutoShape 60" id="60"/>
+          <p:cNvPr id="60" name="AutoShape 60"/>
           <p:cNvSpPr/>
           <p:nvPr/>
         </p:nvSpPr>
@@ -6371,120 +6372,120 @@
           <a:prstGeom prst="line">
             <a:avLst/>
           </a:prstGeom>
-          <a:ln cap="flat" w="38100">
+          <a:ln w="38100" cap="flat">
             <a:solidFill>
               <a:srgbClr val="FFFFFF"/>
             </a:solidFill>
             <a:prstDash val="solid"/>
-            <a:headEnd type="none" len="sm" w="sm"/>
-            <a:tailEnd type="none" len="sm" w="sm"/>
+            <a:headEnd type="none" w="sm" len="sm"/>
+            <a:tailEnd type="none" w="sm" len="sm"/>
           </a:ln>
         </p:spPr>
       </p:sp>
       <p:sp>
         <p:nvSpPr>
-          <p:cNvPr name="AutoShape 61" id="61"/>
+          <p:cNvPr id="61" name="AutoShape 61"/>
           <p:cNvSpPr/>
           <p:nvPr/>
         </p:nvSpPr>
         <p:spPr>
-          <a:xfrm flipV="true">
+          <a:xfrm flipV="1">
             <a:off x="10517696" y="5973127"/>
             <a:ext cx="545780" cy="0"/>
           </a:xfrm>
           <a:prstGeom prst="line">
             <a:avLst/>
           </a:prstGeom>
-          <a:ln cap="flat" w="38100">
+          <a:ln w="38100" cap="flat">
             <a:solidFill>
               <a:srgbClr val="FFFFFF"/>
             </a:solidFill>
             <a:prstDash val="solid"/>
-            <a:headEnd type="none" len="sm" w="sm"/>
-            <a:tailEnd type="none" len="sm" w="sm"/>
+            <a:headEnd type="none" w="sm" len="sm"/>
+            <a:tailEnd type="none" w="sm" len="sm"/>
           </a:ln>
         </p:spPr>
       </p:sp>
       <p:sp>
         <p:nvSpPr>
-          <p:cNvPr name="AutoShape 62" id="62"/>
+          <p:cNvPr id="62" name="AutoShape 62"/>
           <p:cNvSpPr/>
           <p:nvPr/>
         </p:nvSpPr>
         <p:spPr>
-          <a:xfrm flipV="true">
+          <a:xfrm flipV="1">
             <a:off x="10517696" y="6839902"/>
             <a:ext cx="545780" cy="0"/>
           </a:xfrm>
           <a:prstGeom prst="line">
             <a:avLst/>
           </a:prstGeom>
-          <a:ln cap="flat" w="38100">
+          <a:ln w="38100" cap="flat">
             <a:solidFill>
               <a:srgbClr val="FFFFFF"/>
             </a:solidFill>
             <a:prstDash val="solid"/>
-            <a:headEnd type="none" len="sm" w="sm"/>
-            <a:tailEnd type="none" len="sm" w="sm"/>
+            <a:headEnd type="none" w="sm" len="sm"/>
+            <a:tailEnd type="none" w="sm" len="sm"/>
           </a:ln>
         </p:spPr>
       </p:sp>
       <p:sp>
         <p:nvSpPr>
-          <p:cNvPr name="AutoShape 63" id="63"/>
+          <p:cNvPr id="63" name="AutoShape 63"/>
           <p:cNvSpPr/>
           <p:nvPr/>
         </p:nvSpPr>
         <p:spPr>
-          <a:xfrm flipV="true">
+          <a:xfrm flipV="1">
             <a:off x="10517696" y="7630477"/>
             <a:ext cx="545780" cy="0"/>
           </a:xfrm>
           <a:prstGeom prst="line">
             <a:avLst/>
           </a:prstGeom>
-          <a:ln cap="flat" w="38100">
+          <a:ln w="38100" cap="flat">
             <a:solidFill>
               <a:srgbClr val="FFFFFF"/>
             </a:solidFill>
             <a:prstDash val="solid"/>
-            <a:headEnd type="none" len="sm" w="sm"/>
-            <a:tailEnd type="none" len="sm" w="sm"/>
+            <a:headEnd type="none" w="sm" len="sm"/>
+            <a:tailEnd type="none" w="sm" len="sm"/>
           </a:ln>
         </p:spPr>
       </p:sp>
       <p:sp>
         <p:nvSpPr>
-          <p:cNvPr name="AutoShape 64" id="64"/>
+          <p:cNvPr id="64" name="AutoShape 64"/>
           <p:cNvSpPr/>
           <p:nvPr/>
         </p:nvSpPr>
         <p:spPr>
-          <a:xfrm flipV="true">
+          <a:xfrm flipV="1">
             <a:off x="10517696" y="8497252"/>
             <a:ext cx="545780" cy="0"/>
           </a:xfrm>
           <a:prstGeom prst="line">
             <a:avLst/>
           </a:prstGeom>
-          <a:ln cap="flat" w="38100">
+          <a:ln w="38100" cap="flat">
             <a:solidFill>
               <a:srgbClr val="FFFFFF"/>
             </a:solidFill>
             <a:prstDash val="solid"/>
-            <a:headEnd type="none" len="sm" w="sm"/>
-            <a:tailEnd type="none" len="sm" w="sm"/>
+            <a:headEnd type="none" w="sm" len="sm"/>
+            <a:tailEnd type="none" w="sm" len="sm"/>
           </a:ln>
         </p:spPr>
       </p:sp>
       <p:sp>
         <p:nvSpPr>
-          <p:cNvPr name="TextBox 65" id="65"/>
-          <p:cNvSpPr txBox="true"/>
-          <p:nvPr/>
-        </p:nvSpPr>
-        <p:spPr>
-          <a:xfrm rot="0">
+          <p:cNvPr id="65" name="TextBox 65"/>
+          <p:cNvSpPr txBox="1"/>
+          <p:nvPr/>
+        </p:nvSpPr>
+        <p:spPr>
+          <a:xfrm>
             <a:off x="11151789" y="4936808"/>
             <a:ext cx="2576899" cy="413384"/>
           </a:xfrm>
@@ -6493,12 +6494,12 @@
           </a:prstGeom>
         </p:spPr>
         <p:txBody>
-          <a:bodyPr anchor="t" rtlCol="false" tIns="0" lIns="0" bIns="0" rIns="0">
+          <a:bodyPr lIns="0" tIns="0" rIns="0" bIns="0" rtlCol="0" anchor="t">
             <a:spAutoFit/>
           </a:bodyPr>
           <a:lstStyle/>
           <a:p>
-            <a:pPr algn="just" marL="0" indent="0" lvl="0">
+            <a:pPr marL="0" lvl="0" indent="0" algn="just">
               <a:lnSpc>
                 <a:spcPts val="3269"/>
               </a:lnSpc>
@@ -6523,12 +6524,12 @@
       </p:sp>
       <p:sp>
         <p:nvSpPr>
-          <p:cNvPr name="TextBox 66" id="66"/>
-          <p:cNvSpPr txBox="true"/>
-          <p:nvPr/>
-        </p:nvSpPr>
-        <p:spPr>
-          <a:xfrm rot="0">
+          <p:cNvPr id="66" name="TextBox 66"/>
+          <p:cNvSpPr txBox="1"/>
+          <p:nvPr/>
+        </p:nvSpPr>
+        <p:spPr>
+          <a:xfrm>
             <a:off x="11158726" y="5766434"/>
             <a:ext cx="2220111" cy="413384"/>
           </a:xfrm>
@@ -6537,12 +6538,12 @@
           </a:prstGeom>
         </p:spPr>
         <p:txBody>
-          <a:bodyPr anchor="t" rtlCol="false" tIns="0" lIns="0" bIns="0" rIns="0">
+          <a:bodyPr lIns="0" tIns="0" rIns="0" bIns="0" rtlCol="0" anchor="t">
             <a:spAutoFit/>
           </a:bodyPr>
           <a:lstStyle/>
           <a:p>
-            <a:pPr algn="just" marL="0" indent="0" lvl="0">
+            <a:pPr marL="0" lvl="0" indent="0" algn="just">
               <a:lnSpc>
                 <a:spcPts val="3269"/>
               </a:lnSpc>
@@ -6567,12 +6568,12 @@
       </p:sp>
       <p:sp>
         <p:nvSpPr>
-          <p:cNvPr name="TextBox 67" id="67"/>
-          <p:cNvSpPr txBox="true"/>
-          <p:nvPr/>
-        </p:nvSpPr>
-        <p:spPr>
-          <a:xfrm rot="0">
+          <p:cNvPr id="67" name="TextBox 67"/>
+          <p:cNvSpPr txBox="1"/>
+          <p:nvPr/>
+        </p:nvSpPr>
+        <p:spPr>
+          <a:xfrm>
             <a:off x="11158726" y="6655471"/>
             <a:ext cx="1887550" cy="413384"/>
           </a:xfrm>
@@ -6581,12 +6582,12 @@
           </a:prstGeom>
         </p:spPr>
         <p:txBody>
-          <a:bodyPr anchor="t" rtlCol="false" tIns="0" lIns="0" bIns="0" rIns="0">
+          <a:bodyPr lIns="0" tIns="0" rIns="0" bIns="0" rtlCol="0" anchor="t">
             <a:spAutoFit/>
           </a:bodyPr>
           <a:lstStyle/>
           <a:p>
-            <a:pPr algn="just" marL="0" indent="0" lvl="0">
+            <a:pPr marL="0" lvl="0" indent="0" algn="just">
               <a:lnSpc>
                 <a:spcPts val="3269"/>
               </a:lnSpc>
@@ -6611,12 +6612,12 @@
       </p:sp>
       <p:sp>
         <p:nvSpPr>
-          <p:cNvPr name="TextBox 68" id="68"/>
-          <p:cNvSpPr txBox="true"/>
-          <p:nvPr/>
-        </p:nvSpPr>
-        <p:spPr>
-          <a:xfrm rot="0">
+          <p:cNvPr id="68" name="TextBox 68"/>
+          <p:cNvSpPr txBox="1"/>
+          <p:nvPr/>
+        </p:nvSpPr>
+        <p:spPr>
+          <a:xfrm>
             <a:off x="11151789" y="7423784"/>
             <a:ext cx="1887550" cy="413384"/>
           </a:xfrm>
@@ -6625,12 +6626,12 @@
           </a:prstGeom>
         </p:spPr>
         <p:txBody>
-          <a:bodyPr anchor="t" rtlCol="false" tIns="0" lIns="0" bIns="0" rIns="0">
+          <a:bodyPr lIns="0" tIns="0" rIns="0" bIns="0" rtlCol="0" anchor="t">
             <a:spAutoFit/>
           </a:bodyPr>
           <a:lstStyle/>
           <a:p>
-            <a:pPr algn="just" marL="0" indent="0" lvl="0">
+            <a:pPr marL="0" lvl="0" indent="0" algn="just">
               <a:lnSpc>
                 <a:spcPts val="3269"/>
               </a:lnSpc>
@@ -6655,12 +6656,12 @@
       </p:sp>
       <p:sp>
         <p:nvSpPr>
-          <p:cNvPr name="TextBox 69" id="69"/>
-          <p:cNvSpPr txBox="true"/>
-          <p:nvPr/>
-        </p:nvSpPr>
-        <p:spPr>
-          <a:xfrm rot="0">
+          <p:cNvPr id="69" name="TextBox 69"/>
+          <p:cNvSpPr txBox="1"/>
+          <p:nvPr/>
+        </p:nvSpPr>
+        <p:spPr>
+          <a:xfrm>
             <a:off x="11151789" y="8275319"/>
             <a:ext cx="2402454" cy="413384"/>
           </a:xfrm>
@@ -6669,12 +6670,12 @@
           </a:prstGeom>
         </p:spPr>
         <p:txBody>
-          <a:bodyPr anchor="t" rtlCol="false" tIns="0" lIns="0" bIns="0" rIns="0">
+          <a:bodyPr lIns="0" tIns="0" rIns="0" bIns="0" rtlCol="0" anchor="t">
             <a:spAutoFit/>
           </a:bodyPr>
           <a:lstStyle/>
           <a:p>
-            <a:pPr algn="just" marL="0" indent="0" lvl="0">
+            <a:pPr marL="0" lvl="0" indent="0" algn="just">
               <a:lnSpc>
                 <a:spcPts val="3269"/>
               </a:lnSpc>
@@ -6699,7 +6700,7 @@
       </p:sp>
       <p:sp>
         <p:nvSpPr>
-          <p:cNvPr name="AutoShape 70" id="70"/>
+          <p:cNvPr id="70" name="AutoShape 70"/>
           <p:cNvSpPr/>
           <p:nvPr/>
         </p:nvSpPr>
@@ -6711,168 +6712,168 @@
           <a:prstGeom prst="line">
             <a:avLst/>
           </a:prstGeom>
-          <a:ln cap="flat" w="38100">
+          <a:ln w="38100" cap="flat">
             <a:solidFill>
               <a:srgbClr val="FFFFFF"/>
             </a:solidFill>
             <a:prstDash val="solid"/>
-            <a:headEnd type="none" len="sm" w="sm"/>
-            <a:tailEnd type="none" len="sm" w="sm"/>
+            <a:headEnd type="none" w="sm" len="sm"/>
+            <a:tailEnd type="none" w="sm" len="sm"/>
           </a:ln>
         </p:spPr>
       </p:sp>
       <p:sp>
         <p:nvSpPr>
-          <p:cNvPr name="AutoShape 71" id="71"/>
+          <p:cNvPr id="71" name="AutoShape 71"/>
           <p:cNvSpPr/>
           <p:nvPr/>
         </p:nvSpPr>
         <p:spPr>
-          <a:xfrm flipV="true">
+          <a:xfrm flipV="1">
             <a:off x="14613323" y="5105400"/>
             <a:ext cx="545780" cy="0"/>
           </a:xfrm>
           <a:prstGeom prst="line">
             <a:avLst/>
           </a:prstGeom>
-          <a:ln cap="flat" w="38100">
+          <a:ln w="38100" cap="flat">
             <a:solidFill>
               <a:srgbClr val="FFFFFF"/>
             </a:solidFill>
             <a:prstDash val="solid"/>
-            <a:headEnd type="none" len="sm" w="sm"/>
-            <a:tailEnd type="none" len="sm" w="sm"/>
+            <a:headEnd type="none" w="sm" len="sm"/>
+            <a:tailEnd type="none" w="sm" len="sm"/>
           </a:ln>
         </p:spPr>
       </p:sp>
       <p:sp>
         <p:nvSpPr>
-          <p:cNvPr name="AutoShape 72" id="72"/>
+          <p:cNvPr id="72" name="AutoShape 72"/>
           <p:cNvSpPr/>
           <p:nvPr/>
         </p:nvSpPr>
         <p:spPr>
-          <a:xfrm flipV="true">
+          <a:xfrm flipV="1">
             <a:off x="14613323" y="5954077"/>
             <a:ext cx="545780" cy="0"/>
           </a:xfrm>
           <a:prstGeom prst="line">
             <a:avLst/>
           </a:prstGeom>
-          <a:ln cap="flat" w="38100">
+          <a:ln w="38100" cap="flat">
             <a:solidFill>
               <a:srgbClr val="FFFFFF"/>
             </a:solidFill>
             <a:prstDash val="solid"/>
-            <a:headEnd type="none" len="sm" w="sm"/>
-            <a:tailEnd type="none" len="sm" w="sm"/>
+            <a:headEnd type="none" w="sm" len="sm"/>
+            <a:tailEnd type="none" w="sm" len="sm"/>
           </a:ln>
         </p:spPr>
       </p:sp>
       <p:sp>
         <p:nvSpPr>
-          <p:cNvPr name="AutoShape 73" id="73"/>
+          <p:cNvPr id="73" name="AutoShape 73"/>
           <p:cNvSpPr/>
           <p:nvPr/>
         </p:nvSpPr>
         <p:spPr>
-          <a:xfrm flipV="true">
+          <a:xfrm flipV="1">
             <a:off x="14632373" y="6801802"/>
             <a:ext cx="545780" cy="0"/>
           </a:xfrm>
           <a:prstGeom prst="line">
             <a:avLst/>
           </a:prstGeom>
-          <a:ln cap="flat" w="38100">
+          <a:ln w="38100" cap="flat">
             <a:solidFill>
               <a:srgbClr val="FFFFFF"/>
             </a:solidFill>
             <a:prstDash val="solid"/>
-            <a:headEnd type="none" len="sm" w="sm"/>
-            <a:tailEnd type="none" len="sm" w="sm"/>
+            <a:headEnd type="none" w="sm" len="sm"/>
+            <a:tailEnd type="none" w="sm" len="sm"/>
           </a:ln>
         </p:spPr>
       </p:sp>
       <p:sp>
         <p:nvSpPr>
-          <p:cNvPr name="AutoShape 74" id="74"/>
+          <p:cNvPr id="74" name="AutoShape 74"/>
           <p:cNvSpPr/>
           <p:nvPr/>
         </p:nvSpPr>
         <p:spPr>
-          <a:xfrm flipV="true">
+          <a:xfrm flipV="1">
             <a:off x="14613323" y="7611427"/>
             <a:ext cx="545780" cy="0"/>
           </a:xfrm>
           <a:prstGeom prst="line">
             <a:avLst/>
           </a:prstGeom>
-          <a:ln cap="flat" w="38100">
+          <a:ln w="38100" cap="flat">
             <a:solidFill>
               <a:srgbClr val="FFFFFF"/>
             </a:solidFill>
             <a:prstDash val="solid"/>
-            <a:headEnd type="none" len="sm" w="sm"/>
-            <a:tailEnd type="none" len="sm" w="sm"/>
+            <a:headEnd type="none" w="sm" len="sm"/>
+            <a:tailEnd type="none" w="sm" len="sm"/>
           </a:ln>
         </p:spPr>
       </p:sp>
       <p:sp>
         <p:nvSpPr>
-          <p:cNvPr name="AutoShape 75" id="75"/>
+          <p:cNvPr id="75" name="AutoShape 75"/>
           <p:cNvSpPr/>
           <p:nvPr/>
         </p:nvSpPr>
         <p:spPr>
-          <a:xfrm flipV="true">
+          <a:xfrm flipV="1">
             <a:off x="14632373" y="8437597"/>
             <a:ext cx="545780" cy="0"/>
           </a:xfrm>
           <a:prstGeom prst="line">
             <a:avLst/>
           </a:prstGeom>
-          <a:ln cap="flat" w="38100">
+          <a:ln w="38100" cap="flat">
             <a:solidFill>
               <a:srgbClr val="FFFFFF"/>
             </a:solidFill>
             <a:prstDash val="solid"/>
-            <a:headEnd type="none" len="sm" w="sm"/>
-            <a:tailEnd type="none" len="sm" w="sm"/>
+            <a:headEnd type="none" w="sm" len="sm"/>
+            <a:tailEnd type="none" w="sm" len="sm"/>
           </a:ln>
         </p:spPr>
       </p:sp>
       <p:sp>
         <p:nvSpPr>
-          <p:cNvPr name="AutoShape 76" id="76"/>
+          <p:cNvPr id="76" name="AutoShape 76"/>
           <p:cNvSpPr/>
           <p:nvPr/>
         </p:nvSpPr>
         <p:spPr>
-          <a:xfrm flipV="true">
+          <a:xfrm flipV="1">
             <a:off x="14632373" y="9289131"/>
             <a:ext cx="545780" cy="0"/>
           </a:xfrm>
           <a:prstGeom prst="line">
             <a:avLst/>
           </a:prstGeom>
-          <a:ln cap="flat" w="38100">
+          <a:ln w="38100" cap="flat">
             <a:solidFill>
               <a:srgbClr val="FFFFFF"/>
             </a:solidFill>
             <a:prstDash val="solid"/>
-            <a:headEnd type="none" len="sm" w="sm"/>
-            <a:tailEnd type="none" len="sm" w="sm"/>
+            <a:headEnd type="none" w="sm" len="sm"/>
+            <a:tailEnd type="none" w="sm" len="sm"/>
           </a:ln>
         </p:spPr>
       </p:sp>
       <p:sp>
         <p:nvSpPr>
-          <p:cNvPr name="TextBox 77" id="77"/>
-          <p:cNvSpPr txBox="true"/>
-          <p:nvPr/>
-        </p:nvSpPr>
-        <p:spPr>
-          <a:xfrm rot="0">
+          <p:cNvPr id="77" name="TextBox 77"/>
+          <p:cNvSpPr txBox="1"/>
+          <p:nvPr/>
+        </p:nvSpPr>
+        <p:spPr>
+          <a:xfrm>
             <a:off x="15273402" y="4955858"/>
             <a:ext cx="2576899" cy="413384"/>
           </a:xfrm>
@@ -6881,12 +6882,12 @@
           </a:prstGeom>
         </p:spPr>
         <p:txBody>
-          <a:bodyPr anchor="t" rtlCol="false" tIns="0" lIns="0" bIns="0" rIns="0">
+          <a:bodyPr lIns="0" tIns="0" rIns="0" bIns="0" rtlCol="0" anchor="t">
             <a:spAutoFit/>
           </a:bodyPr>
           <a:lstStyle/>
           <a:p>
-            <a:pPr algn="just" marL="0" indent="0" lvl="0">
+            <a:pPr marL="0" lvl="0" indent="0" algn="just">
               <a:lnSpc>
                 <a:spcPts val="3269"/>
               </a:lnSpc>
@@ -6911,12 +6912,12 @@
       </p:sp>
       <p:sp>
         <p:nvSpPr>
-          <p:cNvPr name="TextBox 78" id="78"/>
-          <p:cNvSpPr txBox="true"/>
-          <p:nvPr/>
-        </p:nvSpPr>
-        <p:spPr>
-          <a:xfrm rot="0">
+          <p:cNvPr id="78" name="TextBox 78"/>
+          <p:cNvSpPr txBox="1"/>
+          <p:nvPr/>
+        </p:nvSpPr>
+        <p:spPr>
+          <a:xfrm>
             <a:off x="15273402" y="5766434"/>
             <a:ext cx="2445975" cy="413384"/>
           </a:xfrm>
@@ -6925,12 +6926,12 @@
           </a:prstGeom>
         </p:spPr>
         <p:txBody>
-          <a:bodyPr anchor="t" rtlCol="false" tIns="0" lIns="0" bIns="0" rIns="0">
+          <a:bodyPr lIns="0" tIns="0" rIns="0" bIns="0" rtlCol="0" anchor="t">
             <a:spAutoFit/>
           </a:bodyPr>
           <a:lstStyle/>
           <a:p>
-            <a:pPr algn="just" marL="0" indent="0" lvl="0">
+            <a:pPr marL="0" lvl="0" indent="0" algn="just">
               <a:lnSpc>
                 <a:spcPts val="3269"/>
               </a:lnSpc>
@@ -6955,12 +6956,12 @@
       </p:sp>
       <p:sp>
         <p:nvSpPr>
-          <p:cNvPr name="TextBox 79" id="79"/>
-          <p:cNvSpPr txBox="true"/>
-          <p:nvPr/>
-        </p:nvSpPr>
-        <p:spPr>
-          <a:xfrm rot="0">
+          <p:cNvPr id="79" name="TextBox 79"/>
+          <p:cNvSpPr txBox="1"/>
+          <p:nvPr/>
+        </p:nvSpPr>
+        <p:spPr>
+          <a:xfrm>
             <a:off x="15273402" y="6614159"/>
             <a:ext cx="2220111" cy="413384"/>
           </a:xfrm>
@@ -6969,12 +6970,12 @@
           </a:prstGeom>
         </p:spPr>
         <p:txBody>
-          <a:bodyPr anchor="t" rtlCol="false" tIns="0" lIns="0" bIns="0" rIns="0">
+          <a:bodyPr lIns="0" tIns="0" rIns="0" bIns="0" rtlCol="0" anchor="t">
             <a:spAutoFit/>
           </a:bodyPr>
           <a:lstStyle/>
           <a:p>
-            <a:pPr algn="just" marL="0" indent="0" lvl="0">
+            <a:pPr marL="0" lvl="0" indent="0" algn="just">
               <a:lnSpc>
                 <a:spcPts val="3269"/>
               </a:lnSpc>
@@ -6999,12 +7000,12 @@
       </p:sp>
       <p:sp>
         <p:nvSpPr>
-          <p:cNvPr name="TextBox 80" id="80"/>
-          <p:cNvSpPr txBox="true"/>
-          <p:nvPr/>
-        </p:nvSpPr>
-        <p:spPr>
-          <a:xfrm rot="0">
+          <p:cNvPr id="80" name="TextBox 80"/>
+          <p:cNvSpPr txBox="1"/>
+          <p:nvPr/>
+        </p:nvSpPr>
+        <p:spPr>
+          <a:xfrm>
             <a:off x="15273402" y="7375168"/>
             <a:ext cx="1887550" cy="413384"/>
           </a:xfrm>
@@ -7013,12 +7014,12 @@
           </a:prstGeom>
         </p:spPr>
         <p:txBody>
-          <a:bodyPr anchor="t" rtlCol="false" tIns="0" lIns="0" bIns="0" rIns="0">
+          <a:bodyPr lIns="0" tIns="0" rIns="0" bIns="0" rtlCol="0" anchor="t">
             <a:spAutoFit/>
           </a:bodyPr>
           <a:lstStyle/>
           <a:p>
-            <a:pPr algn="just" marL="0" indent="0" lvl="0">
+            <a:pPr marL="0" lvl="0" indent="0" algn="just">
               <a:lnSpc>
                 <a:spcPts val="3269"/>
               </a:lnSpc>
@@ -7043,12 +7044,12 @@
       </p:sp>
       <p:sp>
         <p:nvSpPr>
-          <p:cNvPr name="TextBox 81" id="81"/>
-          <p:cNvSpPr txBox="true"/>
-          <p:nvPr/>
-        </p:nvSpPr>
-        <p:spPr>
-          <a:xfrm rot="0">
+          <p:cNvPr id="81" name="TextBox 81"/>
+          <p:cNvSpPr txBox="1"/>
+          <p:nvPr/>
+        </p:nvSpPr>
+        <p:spPr>
+          <a:xfrm>
             <a:off x="15273402" y="8188602"/>
             <a:ext cx="1887550" cy="413384"/>
           </a:xfrm>
@@ -7057,12 +7058,12 @@
           </a:prstGeom>
         </p:spPr>
         <p:txBody>
-          <a:bodyPr anchor="t" rtlCol="false" tIns="0" lIns="0" bIns="0" rIns="0">
+          <a:bodyPr lIns="0" tIns="0" rIns="0" bIns="0" rtlCol="0" anchor="t">
             <a:spAutoFit/>
           </a:bodyPr>
           <a:lstStyle/>
           <a:p>
-            <a:pPr algn="just" marL="0" indent="0" lvl="0">
+            <a:pPr marL="0" lvl="0" indent="0" algn="just">
               <a:lnSpc>
                 <a:spcPts val="3269"/>
               </a:lnSpc>
@@ -7087,12 +7088,12 @@
       </p:sp>
       <p:sp>
         <p:nvSpPr>
-          <p:cNvPr name="TextBox 82" id="82"/>
-          <p:cNvSpPr txBox="true"/>
-          <p:nvPr/>
-        </p:nvSpPr>
-        <p:spPr>
-          <a:xfrm rot="0">
+          <p:cNvPr id="82" name="TextBox 82"/>
+          <p:cNvSpPr txBox="1"/>
+          <p:nvPr/>
+        </p:nvSpPr>
+        <p:spPr>
+          <a:xfrm>
             <a:off x="15340077" y="9065894"/>
             <a:ext cx="2402454" cy="413384"/>
           </a:xfrm>
@@ -7101,12 +7102,12 @@
           </a:prstGeom>
         </p:spPr>
         <p:txBody>
-          <a:bodyPr anchor="t" rtlCol="false" tIns="0" lIns="0" bIns="0" rIns="0">
+          <a:bodyPr lIns="0" tIns="0" rIns="0" bIns="0" rtlCol="0" anchor="t">
             <a:spAutoFit/>
           </a:bodyPr>
           <a:lstStyle/>
           <a:p>
-            <a:pPr algn="just" marL="0" indent="0" lvl="0">
+            <a:pPr marL="0" lvl="0" indent="0" algn="just">
               <a:lnSpc>
                 <a:spcPts val="3269"/>
               </a:lnSpc>
@@ -7134,20 +7135,21 @@
   <p:clrMapOvr>
     <a:masterClrMapping/>
   </p:clrMapOvr>
-  <p:transition spd="fast">
+  <p:transition>
     <p:circle/>
   </p:transition>
 </p:sld>
 </file>
 
 <file path=ppt/slides/slide3.xml><?xml version="1.0" encoding="utf-8"?>
-<p:sld xmlns:p="http://schemas.openxmlformats.org/presentationml/2006/main" xmlns:a="http://schemas.openxmlformats.org/drawingml/2006/main" xmlns:r="http://schemas.openxmlformats.org/officeDocument/2006/relationships">
+<p:sld xmlns:a="http://schemas.openxmlformats.org/drawingml/2006/main" xmlns:r="http://schemas.openxmlformats.org/officeDocument/2006/relationships" xmlns:p="http://schemas.openxmlformats.org/presentationml/2006/main">
   <p:cSld>
     <p:bg>
       <p:bgPr>
         <a:solidFill>
           <a:srgbClr val="5780C0"/>
         </a:solidFill>
+        <a:effectLst/>
       </p:bgPr>
     </p:bg>
     <p:spTree>
@@ -7166,12 +7168,12 @@
       </p:grpSpPr>
       <p:sp>
         <p:nvSpPr>
-          <p:cNvPr name="TextBox 2" id="2"/>
-          <p:cNvSpPr txBox="true"/>
-          <p:nvPr/>
-        </p:nvSpPr>
-        <p:spPr>
-          <a:xfrm rot="0">
+          <p:cNvPr id="2" name="TextBox 2"/>
+          <p:cNvSpPr txBox="1"/>
+          <p:nvPr/>
+        </p:nvSpPr>
+        <p:spPr>
+          <a:xfrm>
             <a:off x="4246513" y="851423"/>
             <a:ext cx="9794974" cy="1207034"/>
           </a:xfrm>
@@ -7180,7 +7182,7 @@
           </a:prstGeom>
         </p:spPr>
         <p:txBody>
-          <a:bodyPr anchor="t" rtlCol="false" tIns="0" lIns="0" bIns="0" rIns="0">
+          <a:bodyPr lIns="0" tIns="0" rIns="0" bIns="0" rtlCol="0" anchor="t">
             <a:spAutoFit/>
           </a:bodyPr>
           <a:lstStyle/>
@@ -7207,12 +7209,12 @@
       </p:sp>
       <p:sp>
         <p:nvSpPr>
-          <p:cNvPr name="Freeform 3" id="3"/>
+          <p:cNvPr id="3" name="Freeform 3"/>
           <p:cNvSpPr/>
           <p:nvPr/>
         </p:nvSpPr>
         <p:spPr>
-          <a:xfrm flipH="false" flipV="false" rot="0">
+          <a:xfrm>
             <a:off x="10910334" y="800100"/>
             <a:ext cx="562439" cy="562439"/>
           </a:xfrm>
@@ -7221,9 +7223,9 @@
             <a:gdLst/>
             <a:ahLst/>
             <a:cxnLst/>
-            <a:rect r="r" b="b" t="t" l="l"/>
+            <a:rect l="l" t="t" r="r" b="b"/>
             <a:pathLst>
-              <a:path h="562439" w="562439">
+              <a:path w="562439" h="562439">
                 <a:moveTo>
                   <a:pt x="0" y="0"/>
                 </a:moveTo>
@@ -7252,19 +7254,19 @@
               </a:extLst>
             </a:blip>
             <a:stretch>
-              <a:fillRect l="0" t="0" r="0" b="0"/>
+              <a:fillRect/>
             </a:stretch>
           </a:blipFill>
         </p:spPr>
       </p:sp>
       <p:sp>
         <p:nvSpPr>
-          <p:cNvPr name="Freeform 4" id="4"/>
+          <p:cNvPr id="4" name="Freeform 4"/>
           <p:cNvSpPr/>
           <p:nvPr/>
         </p:nvSpPr>
         <p:spPr>
-          <a:xfrm flipH="false" flipV="false" rot="0">
+          <a:xfrm>
             <a:off x="8166796" y="8755484"/>
             <a:ext cx="1954408" cy="1005632"/>
           </a:xfrm>
@@ -7273,9 +7275,9 @@
             <a:gdLst/>
             <a:ahLst/>
             <a:cxnLst/>
-            <a:rect r="r" b="b" t="t" l="l"/>
+            <a:rect l="l" t="t" r="r" b="b"/>
             <a:pathLst>
-              <a:path h="1005632" w="1954408">
+              <a:path w="1954408" h="1005632">
                 <a:moveTo>
                   <a:pt x="0" y="0"/>
                 </a:moveTo>
@@ -7304,14 +7306,14 @@
               </a:extLst>
             </a:blip>
             <a:stretch>
-              <a:fillRect l="0" t="0" r="0" b="0"/>
+              <a:fillRect/>
             </a:stretch>
           </a:blipFill>
         </p:spPr>
       </p:sp>
       <p:sp>
         <p:nvSpPr>
-          <p:cNvPr name="AutoShape 5" id="5"/>
+          <p:cNvPr id="5" name="AutoShape 5"/>
           <p:cNvSpPr/>
           <p:nvPr/>
         </p:nvSpPr>
@@ -7323,19 +7325,19 @@
           <a:prstGeom prst="line">
             <a:avLst/>
           </a:prstGeom>
-          <a:ln cap="flat" w="19050">
+          <a:ln w="19050" cap="flat">
             <a:solidFill>
               <a:srgbClr val="FBF9F5"/>
             </a:solidFill>
             <a:prstDash val="solid"/>
-            <a:headEnd type="none" len="sm" w="sm"/>
-            <a:tailEnd type="none" len="sm" w="sm"/>
+            <a:headEnd type="none" w="sm" len="sm"/>
+            <a:tailEnd type="none" w="sm" len="sm"/>
           </a:ln>
         </p:spPr>
       </p:sp>
       <p:sp>
         <p:nvSpPr>
-          <p:cNvPr name="AutoShape 6" id="6"/>
+          <p:cNvPr id="6" name="AutoShape 6"/>
           <p:cNvSpPr/>
           <p:nvPr/>
         </p:nvSpPr>
@@ -7347,24 +7349,24 @@
           <a:prstGeom prst="line">
             <a:avLst/>
           </a:prstGeom>
-          <a:ln cap="flat" w="19050">
+          <a:ln w="19050" cap="flat">
             <a:solidFill>
               <a:srgbClr val="FBF9F5"/>
             </a:solidFill>
             <a:prstDash val="solid"/>
-            <a:headEnd type="none" len="sm" w="sm"/>
-            <a:tailEnd type="none" len="sm" w="sm"/>
+            <a:headEnd type="none" w="sm" len="sm"/>
+            <a:tailEnd type="none" w="sm" len="sm"/>
           </a:ln>
         </p:spPr>
       </p:sp>
       <p:sp>
         <p:nvSpPr>
-          <p:cNvPr name="TextBox 7" id="7"/>
-          <p:cNvSpPr txBox="true"/>
-          <p:nvPr/>
-        </p:nvSpPr>
-        <p:spPr>
-          <a:xfrm rot="0">
+          <p:cNvPr id="7" name="TextBox 7"/>
+          <p:cNvSpPr txBox="1"/>
+          <p:nvPr/>
+        </p:nvSpPr>
+        <p:spPr>
+          <a:xfrm>
             <a:off x="1316095" y="2282726"/>
             <a:ext cx="15943205" cy="4471003"/>
           </a:xfrm>
@@ -7373,12 +7375,12 @@
           </a:prstGeom>
         </p:spPr>
         <p:txBody>
-          <a:bodyPr anchor="t" rtlCol="false" tIns="0" lIns="0" bIns="0" rIns="0">
+          <a:bodyPr lIns="0" tIns="0" rIns="0" bIns="0" rtlCol="0" anchor="t">
             <a:spAutoFit/>
           </a:bodyPr>
           <a:lstStyle/>
           <a:p>
-            <a:pPr algn="l" marL="721127" indent="-360563" lvl="1">
+            <a:pPr marL="721127" lvl="1" indent="-360563" algn="l">
               <a:lnSpc>
                 <a:spcPts val="5477"/>
               </a:lnSpc>
@@ -7490,31 +7492,19 @@
                 <a:cs typeface="Canva Sans"/>
                 <a:sym typeface="Canva Sans"/>
               </a:rPr>
-              <a:t>             fact_bookings</a:t>
-            </a:r>
-            <a:r>
-              <a:rPr lang="en-US" sz="3340">
-                <a:solidFill>
-                  <a:srgbClr val="FFFFFF"/>
-                </a:solidFill>
-                <a:latin typeface="Canva Sans"/>
-                <a:ea typeface="Canva Sans"/>
-                <a:cs typeface="Canva Sans"/>
-                <a:sym typeface="Canva Sans"/>
-              </a:rPr>
-              <a:t> </a:t>
-            </a:r>
-          </a:p>
-        </p:txBody>
-      </p:sp>
-      <p:sp>
-        <p:nvSpPr>
-          <p:cNvPr name="Freeform 8" id="8"/>
+              <a:t>             fact_bookings </a:t>
+            </a:r>
+          </a:p>
+        </p:txBody>
+      </p:sp>
+      <p:sp>
+        <p:nvSpPr>
+          <p:cNvPr id="8" name="Freeform 8"/>
           <p:cNvSpPr/>
           <p:nvPr/>
         </p:nvSpPr>
         <p:spPr>
-          <a:xfrm flipH="false" flipV="false" rot="0">
+          <a:xfrm>
             <a:off x="1980576" y="3169902"/>
             <a:ext cx="470344" cy="470344"/>
           </a:xfrm>
@@ -7523,9 +7513,9 @@
             <a:gdLst/>
             <a:ahLst/>
             <a:cxnLst/>
-            <a:rect r="r" b="b" t="t" l="l"/>
+            <a:rect l="l" t="t" r="r" b="b"/>
             <a:pathLst>
-              <a:path h="470344" w="470344">
+              <a:path w="470344" h="470344">
                 <a:moveTo>
                   <a:pt x="0" y="0"/>
                 </a:moveTo>
@@ -7548,19 +7538,19 @@
           <a:blipFill>
             <a:blip r:embed="rId6"/>
             <a:stretch>
-              <a:fillRect l="0" t="0" r="0" b="0"/>
+              <a:fillRect/>
             </a:stretch>
           </a:blipFill>
         </p:spPr>
       </p:sp>
       <p:sp>
         <p:nvSpPr>
-          <p:cNvPr name="Freeform 9" id="9"/>
+          <p:cNvPr id="9" name="Freeform 9"/>
           <p:cNvSpPr/>
           <p:nvPr/>
         </p:nvSpPr>
         <p:spPr>
-          <a:xfrm flipH="false" flipV="false" rot="0">
+          <a:xfrm>
             <a:off x="1980576" y="3935521"/>
             <a:ext cx="470344" cy="470344"/>
           </a:xfrm>
@@ -7569,9 +7559,9 @@
             <a:gdLst/>
             <a:ahLst/>
             <a:cxnLst/>
-            <a:rect r="r" b="b" t="t" l="l"/>
+            <a:rect l="l" t="t" r="r" b="b"/>
             <a:pathLst>
-              <a:path h="470344" w="470344">
+              <a:path w="470344" h="470344">
                 <a:moveTo>
                   <a:pt x="0" y="0"/>
                 </a:moveTo>
@@ -7594,19 +7584,19 @@
           <a:blipFill>
             <a:blip r:embed="rId6"/>
             <a:stretch>
-              <a:fillRect l="0" t="0" r="0" b="0"/>
+              <a:fillRect/>
             </a:stretch>
           </a:blipFill>
         </p:spPr>
       </p:sp>
       <p:sp>
         <p:nvSpPr>
-          <p:cNvPr name="Freeform 10" id="10"/>
+          <p:cNvPr id="10" name="Freeform 10"/>
           <p:cNvSpPr/>
           <p:nvPr/>
         </p:nvSpPr>
         <p:spPr>
-          <a:xfrm flipH="false" flipV="false" rot="0">
+          <a:xfrm>
             <a:off x="1980576" y="4701139"/>
             <a:ext cx="470344" cy="470344"/>
           </a:xfrm>
@@ -7615,9 +7605,9 @@
             <a:gdLst/>
             <a:ahLst/>
             <a:cxnLst/>
-            <a:rect r="r" b="b" t="t" l="l"/>
+            <a:rect l="l" t="t" r="r" b="b"/>
             <a:pathLst>
-              <a:path h="470344" w="470344">
+              <a:path w="470344" h="470344">
                 <a:moveTo>
                   <a:pt x="0" y="0"/>
                 </a:moveTo>
@@ -7640,19 +7630,19 @@
           <a:blipFill>
             <a:blip r:embed="rId6"/>
             <a:stretch>
-              <a:fillRect l="0" t="0" r="0" b="0"/>
+              <a:fillRect/>
             </a:stretch>
           </a:blipFill>
         </p:spPr>
       </p:sp>
       <p:sp>
         <p:nvSpPr>
-          <p:cNvPr name="Freeform 11" id="11"/>
+          <p:cNvPr id="11" name="Freeform 11"/>
           <p:cNvSpPr/>
           <p:nvPr/>
         </p:nvSpPr>
         <p:spPr>
-          <a:xfrm flipH="false" flipV="false" rot="0">
+          <a:xfrm>
             <a:off x="1980576" y="5466758"/>
             <a:ext cx="470344" cy="470344"/>
           </a:xfrm>
@@ -7661,9 +7651,9 @@
             <a:gdLst/>
             <a:ahLst/>
             <a:cxnLst/>
-            <a:rect r="r" b="b" t="t" l="l"/>
+            <a:rect l="l" t="t" r="r" b="b"/>
             <a:pathLst>
-              <a:path h="470344" w="470344">
+              <a:path w="470344" h="470344">
                 <a:moveTo>
                   <a:pt x="0" y="0"/>
                 </a:moveTo>
@@ -7686,19 +7676,19 @@
           <a:blipFill>
             <a:blip r:embed="rId6"/>
             <a:stretch>
-              <a:fillRect l="0" t="0" r="0" b="0"/>
+              <a:fillRect/>
             </a:stretch>
           </a:blipFill>
         </p:spPr>
       </p:sp>
       <p:sp>
         <p:nvSpPr>
-          <p:cNvPr name="Freeform 12" id="12"/>
+          <p:cNvPr id="12" name="Freeform 12"/>
           <p:cNvSpPr/>
           <p:nvPr/>
         </p:nvSpPr>
         <p:spPr>
-          <a:xfrm flipH="false" flipV="false" rot="0">
+          <a:xfrm>
             <a:off x="1980576" y="6229514"/>
             <a:ext cx="470344" cy="470344"/>
           </a:xfrm>
@@ -7707,9 +7697,9 @@
             <a:gdLst/>
             <a:ahLst/>
             <a:cxnLst/>
-            <a:rect r="r" b="b" t="t" l="l"/>
+            <a:rect l="l" t="t" r="r" b="b"/>
             <a:pathLst>
-              <a:path h="470344" w="470344">
+              <a:path w="470344" h="470344">
                 <a:moveTo>
                   <a:pt x="0" y="0"/>
                 </a:moveTo>
@@ -7732,19 +7722,19 @@
           <a:blipFill>
             <a:blip r:embed="rId6"/>
             <a:stretch>
-              <a:fillRect l="0" t="0" r="0" b="0"/>
+              <a:fillRect/>
             </a:stretch>
           </a:blipFill>
         </p:spPr>
       </p:sp>
       <p:sp>
         <p:nvSpPr>
-          <p:cNvPr name="TextBox 13" id="13"/>
-          <p:cNvSpPr txBox="true"/>
-          <p:nvPr/>
-        </p:nvSpPr>
-        <p:spPr>
-          <a:xfrm rot="0">
+          <p:cNvPr id="13" name="TextBox 13"/>
+          <p:cNvSpPr txBox="1"/>
+          <p:nvPr/>
+        </p:nvSpPr>
+        <p:spPr>
+          <a:xfrm>
             <a:off x="1316095" y="7259120"/>
             <a:ext cx="15943205" cy="572387"/>
           </a:xfrm>
@@ -7753,12 +7743,12 @@
           </a:prstGeom>
         </p:spPr>
         <p:txBody>
-          <a:bodyPr anchor="t" rtlCol="false" tIns="0" lIns="0" bIns="0" rIns="0">
+          <a:bodyPr lIns="0" tIns="0" rIns="0" bIns="0" rtlCol="0" anchor="t">
             <a:spAutoFit/>
           </a:bodyPr>
           <a:lstStyle/>
           <a:p>
-            <a:pPr algn="l" marL="721127" indent="-360563" lvl="1">
+            <a:pPr marL="721127" lvl="1" indent="-360563" algn="l">
               <a:lnSpc>
                 <a:spcPts val="4676"/>
               </a:lnSpc>
@@ -7785,20 +7775,21 @@
   <p:clrMapOvr>
     <a:masterClrMapping/>
   </p:clrMapOvr>
-  <p:transition spd="fast">
-    <p:push dir="l"/>
+  <p:transition>
+    <p:push/>
   </p:transition>
 </p:sld>
 </file>
 
 <file path=ppt/slides/slide4.xml><?xml version="1.0" encoding="utf-8"?>
-<p:sld xmlns:p="http://schemas.openxmlformats.org/presentationml/2006/main" xmlns:a="http://schemas.openxmlformats.org/drawingml/2006/main" xmlns:r="http://schemas.openxmlformats.org/officeDocument/2006/relationships">
+<p:sld xmlns:a="http://schemas.openxmlformats.org/drawingml/2006/main" xmlns:r="http://schemas.openxmlformats.org/officeDocument/2006/relationships" xmlns:p="http://schemas.openxmlformats.org/presentationml/2006/main">
   <p:cSld>
     <p:bg>
       <p:bgPr>
         <a:solidFill>
           <a:srgbClr val="5780C0"/>
         </a:solidFill>
+        <a:effectLst/>
       </p:bgPr>
     </p:bg>
     <p:spTree>
@@ -7817,12 +7808,12 @@
       </p:grpSpPr>
       <p:sp>
         <p:nvSpPr>
-          <p:cNvPr name="Freeform 2" id="2"/>
+          <p:cNvPr id="2" name="Freeform 2"/>
           <p:cNvSpPr/>
           <p:nvPr/>
         </p:nvSpPr>
         <p:spPr>
-          <a:xfrm flipH="false" flipV="false" rot="0">
+          <a:xfrm>
             <a:off x="2293126" y="1731695"/>
             <a:ext cx="13701747" cy="8079187"/>
           </a:xfrm>
@@ -7831,9 +7822,9 @@
             <a:gdLst/>
             <a:ahLst/>
             <a:cxnLst/>
-            <a:rect r="r" b="b" t="t" l="l"/>
+            <a:rect l="l" t="t" r="r" b="b"/>
             <a:pathLst>
-              <a:path h="8079187" w="13701747">
+              <a:path w="13701747" h="8079187">
                 <a:moveTo>
                   <a:pt x="0" y="0"/>
                 </a:moveTo>
@@ -7856,19 +7847,19 @@
           <a:blipFill>
             <a:blip r:embed="rId2"/>
             <a:stretch>
-              <a:fillRect l="0" t="0" r="0" b="0"/>
+              <a:fillRect/>
             </a:stretch>
           </a:blipFill>
         </p:spPr>
       </p:sp>
       <p:sp>
         <p:nvSpPr>
-          <p:cNvPr name="TextBox 3" id="3"/>
-          <p:cNvSpPr txBox="true"/>
-          <p:nvPr/>
-        </p:nvSpPr>
-        <p:spPr>
-          <a:xfrm rot="0">
+          <p:cNvPr id="3" name="TextBox 3"/>
+          <p:cNvSpPr txBox="1"/>
+          <p:nvPr/>
+        </p:nvSpPr>
+        <p:spPr>
+          <a:xfrm>
             <a:off x="4246513" y="486976"/>
             <a:ext cx="9794974" cy="886269"/>
           </a:xfrm>
@@ -7877,7 +7868,7 @@
           </a:prstGeom>
         </p:spPr>
         <p:txBody>
-          <a:bodyPr anchor="t" rtlCol="false" tIns="0" lIns="0" bIns="0" rIns="0">
+          <a:bodyPr lIns="0" tIns="0" rIns="0" bIns="0" rtlCol="0" anchor="t">
             <a:spAutoFit/>
           </a:bodyPr>
           <a:lstStyle/>
@@ -7907,20 +7898,21 @@
   <p:clrMapOvr>
     <a:masterClrMapping/>
   </p:clrMapOvr>
-  <p:transition spd="fast">
+  <p:transition>
     <p:circle/>
   </p:transition>
 </p:sld>
 </file>
 
 <file path=ppt/slides/slide5.xml><?xml version="1.0" encoding="utf-8"?>
-<p:sld xmlns:p="http://schemas.openxmlformats.org/presentationml/2006/main" xmlns:a="http://schemas.openxmlformats.org/drawingml/2006/main" xmlns:r="http://schemas.openxmlformats.org/officeDocument/2006/relationships">
+<p:sld xmlns:a="http://schemas.openxmlformats.org/drawingml/2006/main" xmlns:r="http://schemas.openxmlformats.org/officeDocument/2006/relationships" xmlns:p="http://schemas.openxmlformats.org/presentationml/2006/main">
   <p:cSld>
     <p:bg>
       <p:bgPr>
         <a:solidFill>
           <a:srgbClr val="5780C0"/>
         </a:solidFill>
+        <a:effectLst/>
       </p:bgPr>
     </p:bg>
     <p:spTree>
@@ -7939,12 +7931,12 @@
       </p:grpSpPr>
       <p:sp>
         <p:nvSpPr>
-          <p:cNvPr name="Freeform 2" id="2"/>
+          <p:cNvPr id="2" name="Freeform 2"/>
           <p:cNvSpPr/>
           <p:nvPr/>
         </p:nvSpPr>
         <p:spPr>
-          <a:xfrm flipH="false" flipV="false" rot="0">
+          <a:xfrm>
             <a:off x="1980030" y="1362539"/>
             <a:ext cx="13916263" cy="8579654"/>
           </a:xfrm>
@@ -7953,9 +7945,9 @@
             <a:gdLst/>
             <a:ahLst/>
             <a:cxnLst/>
-            <a:rect r="r" b="b" t="t" l="l"/>
+            <a:rect l="l" t="t" r="r" b="b"/>
             <a:pathLst>
-              <a:path h="8579654" w="13916263">
+              <a:path w="13916263" h="8579654">
                 <a:moveTo>
                   <a:pt x="0" y="0"/>
                 </a:moveTo>
@@ -7978,19 +7970,19 @@
           <a:blipFill>
             <a:blip r:embed="rId2"/>
             <a:stretch>
-              <a:fillRect l="0" t="-687" r="0" b="-687"/>
+              <a:fillRect t="-687" b="-687"/>
             </a:stretch>
           </a:blipFill>
         </p:spPr>
       </p:sp>
       <p:sp>
         <p:nvSpPr>
-          <p:cNvPr name="TextBox 3" id="3"/>
-          <p:cNvSpPr txBox="true"/>
-          <p:nvPr/>
-        </p:nvSpPr>
-        <p:spPr>
-          <a:xfrm rot="0">
+          <p:cNvPr id="3" name="TextBox 3"/>
+          <p:cNvSpPr txBox="1"/>
+          <p:nvPr/>
+        </p:nvSpPr>
+        <p:spPr>
+          <a:xfrm>
             <a:off x="3877357" y="428174"/>
             <a:ext cx="10533286" cy="600526"/>
           </a:xfrm>
@@ -7999,7 +7991,7 @@
           </a:prstGeom>
         </p:spPr>
         <p:txBody>
-          <a:bodyPr anchor="t" rtlCol="false" tIns="0" lIns="0" bIns="0" rIns="0">
+          <a:bodyPr lIns="0" tIns="0" rIns="0" bIns="0" rtlCol="0" anchor="t">
             <a:spAutoFit/>
           </a:bodyPr>
           <a:lstStyle/>
@@ -8030,19 +8022,20 @@
     <a:masterClrMapping/>
   </p:clrMapOvr>
   <p:transition spd="slow">
-    <p:push dir="l"/>
+    <p:push/>
   </p:transition>
 </p:sld>
 </file>
 
 <file path=ppt/slides/slide6.xml><?xml version="1.0" encoding="utf-8"?>
-<p:sld xmlns:p="http://schemas.openxmlformats.org/presentationml/2006/main" xmlns:a="http://schemas.openxmlformats.org/drawingml/2006/main" xmlns:r="http://schemas.openxmlformats.org/officeDocument/2006/relationships">
+<p:sld xmlns:a="http://schemas.openxmlformats.org/drawingml/2006/main" xmlns:r="http://schemas.openxmlformats.org/officeDocument/2006/relationships" xmlns:p="http://schemas.openxmlformats.org/presentationml/2006/main">
   <p:cSld>
     <p:bg>
       <p:bgPr>
         <a:solidFill>
           <a:srgbClr val="5780C0"/>
         </a:solidFill>
+        <a:effectLst/>
       </p:bgPr>
     </p:bg>
     <p:spTree>
@@ -8061,12 +8054,12 @@
       </p:grpSpPr>
       <p:sp>
         <p:nvSpPr>
-          <p:cNvPr name="TextBox 2" id="2"/>
-          <p:cNvSpPr txBox="true"/>
-          <p:nvPr/>
-        </p:nvSpPr>
-        <p:spPr>
-          <a:xfrm rot="0">
+          <p:cNvPr id="2" name="TextBox 2"/>
+          <p:cNvSpPr txBox="1"/>
+          <p:nvPr/>
+        </p:nvSpPr>
+        <p:spPr>
+          <a:xfrm>
             <a:off x="1275456" y="630761"/>
             <a:ext cx="9794974" cy="870271"/>
           </a:xfrm>
@@ -8075,7 +8068,7 @@
           </a:prstGeom>
         </p:spPr>
         <p:txBody>
-          <a:bodyPr anchor="t" rtlCol="false" tIns="0" lIns="0" bIns="0" rIns="0">
+          <a:bodyPr lIns="0" tIns="0" rIns="0" bIns="0" rtlCol="0" anchor="t">
             <a:spAutoFit/>
           </a:bodyPr>
           <a:lstStyle/>
@@ -8102,12 +8095,12 @@
       </p:sp>
       <p:sp>
         <p:nvSpPr>
-          <p:cNvPr name="Freeform 3" id="3"/>
+          <p:cNvPr id="3" name="Freeform 3"/>
           <p:cNvSpPr/>
           <p:nvPr/>
         </p:nvSpPr>
         <p:spPr>
-          <a:xfrm flipH="true" flipV="false" rot="0">
+          <a:xfrm flipH="1">
             <a:off x="13155670" y="364169"/>
             <a:ext cx="5132330" cy="343220"/>
           </a:xfrm>
@@ -8116,9 +8109,9 @@
             <a:gdLst/>
             <a:ahLst/>
             <a:cxnLst/>
-            <a:rect r="r" b="b" t="t" l="l"/>
+            <a:rect l="l" t="t" r="r" b="b"/>
             <a:pathLst>
-              <a:path h="343220" w="5132330">
+              <a:path w="5132330" h="343220">
                 <a:moveTo>
                   <a:pt x="5132330" y="0"/>
                 </a:moveTo>
@@ -8147,19 +8140,19 @@
               </a:extLst>
             </a:blip>
             <a:stretch>
-              <a:fillRect l="0" t="0" r="0" b="0"/>
+              <a:fillRect/>
             </a:stretch>
           </a:blipFill>
         </p:spPr>
       </p:sp>
       <p:sp>
         <p:nvSpPr>
-          <p:cNvPr name="Freeform 4" id="4"/>
+          <p:cNvPr id="4" name="Freeform 4"/>
           <p:cNvSpPr/>
           <p:nvPr/>
         </p:nvSpPr>
         <p:spPr>
-          <a:xfrm flipH="false" flipV="false" rot="0">
+          <a:xfrm>
             <a:off x="-463982" y="-492921"/>
             <a:ext cx="1739438" cy="2057400"/>
           </a:xfrm>
@@ -8168,9 +8161,9 @@
             <a:gdLst/>
             <a:ahLst/>
             <a:cxnLst/>
-            <a:rect r="r" b="b" t="t" l="l"/>
+            <a:rect l="l" t="t" r="r" b="b"/>
             <a:pathLst>
-              <a:path h="2057400" w="1739438">
+              <a:path w="1739438" h="2057400">
                 <a:moveTo>
                   <a:pt x="0" y="0"/>
                 </a:moveTo>
@@ -8199,19 +8192,19 @@
               </a:extLst>
             </a:blip>
             <a:stretch>
-              <a:fillRect l="0" t="0" r="0" b="0"/>
+              <a:fillRect/>
             </a:stretch>
           </a:blipFill>
         </p:spPr>
       </p:sp>
       <p:sp>
         <p:nvSpPr>
-          <p:cNvPr name="TextBox 5" id="5"/>
-          <p:cNvSpPr txBox="true"/>
-          <p:nvPr/>
-        </p:nvSpPr>
-        <p:spPr>
-          <a:xfrm rot="0">
+          <p:cNvPr id="5" name="TextBox 5"/>
+          <p:cNvSpPr txBox="1"/>
+          <p:nvPr/>
+        </p:nvSpPr>
+        <p:spPr>
+          <a:xfrm>
             <a:off x="1028700" y="1885626"/>
             <a:ext cx="15812205" cy="7044690"/>
           </a:xfrm>
@@ -8220,12 +8213,12 @@
           </a:prstGeom>
         </p:spPr>
         <p:txBody>
-          <a:bodyPr anchor="t" rtlCol="false" tIns="0" lIns="0" bIns="0" rIns="0">
+          <a:bodyPr lIns="0" tIns="0" rIns="0" bIns="0" rtlCol="0" anchor="t">
             <a:spAutoFit/>
           </a:bodyPr>
           <a:lstStyle/>
           <a:p>
-            <a:pPr algn="just" marL="647700" indent="-323850" lvl="1">
+            <a:pPr marL="647700" lvl="1" indent="-323850" algn="just">
               <a:lnSpc>
                 <a:spcPts val="7080"/>
               </a:lnSpc>
@@ -8294,7 +8287,7 @@
             </a:r>
           </a:p>
           <a:p>
-            <a:pPr algn="just" marL="647700" indent="-323850" lvl="1">
+            <a:pPr marL="647700" lvl="1" indent="-323850" algn="just">
               <a:lnSpc>
                 <a:spcPts val="7080"/>
               </a:lnSpc>
@@ -8351,7 +8344,7 @@
             </a:r>
           </a:p>
           <a:p>
-            <a:pPr algn="just" marL="647700" indent="-323850" lvl="1">
+            <a:pPr marL="647700" lvl="1" indent="-323850" algn="just">
               <a:lnSpc>
                 <a:spcPts val="7080"/>
               </a:lnSpc>
@@ -8396,7 +8389,7 @@
             </a:r>
           </a:p>
           <a:p>
-            <a:pPr algn="just" marL="647700" indent="-323850" lvl="1">
+            <a:pPr marL="647700" lvl="1" indent="-323850" algn="just">
               <a:lnSpc>
                 <a:spcPts val="7080"/>
               </a:lnSpc>
@@ -8480,12 +8473,12 @@
       </p:sp>
       <p:sp>
         <p:nvSpPr>
-          <p:cNvPr name="Freeform 6" id="6"/>
+          <p:cNvPr id="6" name="Freeform 6"/>
           <p:cNvSpPr/>
           <p:nvPr/>
         </p:nvSpPr>
         <p:spPr>
-          <a:xfrm flipH="false" flipV="false" rot="0">
+          <a:xfrm>
             <a:off x="-296577" y="9505730"/>
             <a:ext cx="5132330" cy="343220"/>
           </a:xfrm>
@@ -8494,9 +8487,9 @@
             <a:gdLst/>
             <a:ahLst/>
             <a:cxnLst/>
-            <a:rect r="r" b="b" t="t" l="l"/>
+            <a:rect l="l" t="t" r="r" b="b"/>
             <a:pathLst>
-              <a:path h="343220" w="5132330">
+              <a:path w="5132330" h="343220">
                 <a:moveTo>
                   <a:pt x="0" y="0"/>
                 </a:moveTo>
@@ -8525,7 +8518,7 @@
               </a:extLst>
             </a:blip>
             <a:stretch>
-              <a:fillRect l="0" t="0" r="0" b="0"/>
+              <a:fillRect/>
             </a:stretch>
           </a:blipFill>
         </p:spPr>
@@ -8535,20 +8528,21 @@
   <p:clrMapOvr>
     <a:masterClrMapping/>
   </p:clrMapOvr>
-  <p:transition spd="fast">
+  <p:transition>
     <p:fade/>
   </p:transition>
 </p:sld>
 </file>
 
 <file path=ppt/slides/slide7.xml><?xml version="1.0" encoding="utf-8"?>
-<p:sld xmlns:p="http://schemas.openxmlformats.org/presentationml/2006/main" xmlns:a="http://schemas.openxmlformats.org/drawingml/2006/main" xmlns:r="http://schemas.openxmlformats.org/officeDocument/2006/relationships">
+<p:sld xmlns:a="http://schemas.openxmlformats.org/drawingml/2006/main" xmlns:r="http://schemas.openxmlformats.org/officeDocument/2006/relationships" xmlns:p="http://schemas.openxmlformats.org/presentationml/2006/main">
   <p:cSld>
     <p:bg>
       <p:bgPr>
         <a:solidFill>
           <a:srgbClr val="5780C0"/>
         </a:solidFill>
+        <a:effectLst/>
       </p:bgPr>
     </p:bg>
     <p:spTree>
@@ -8567,12 +8561,12 @@
       </p:grpSpPr>
       <p:sp>
         <p:nvSpPr>
-          <p:cNvPr name="TextBox 2" id="2"/>
-          <p:cNvSpPr txBox="true"/>
-          <p:nvPr/>
-        </p:nvSpPr>
-        <p:spPr>
-          <a:xfrm rot="0">
+          <p:cNvPr id="2" name="TextBox 2"/>
+          <p:cNvSpPr txBox="1"/>
+          <p:nvPr/>
+        </p:nvSpPr>
+        <p:spPr>
+          <a:xfrm>
             <a:off x="1275456" y="630761"/>
             <a:ext cx="9794974" cy="870271"/>
           </a:xfrm>
@@ -8581,7 +8575,7 @@
           </a:prstGeom>
         </p:spPr>
         <p:txBody>
-          <a:bodyPr anchor="t" rtlCol="false" tIns="0" lIns="0" bIns="0" rIns="0">
+          <a:bodyPr lIns="0" tIns="0" rIns="0" bIns="0" rtlCol="0" anchor="t">
             <a:spAutoFit/>
           </a:bodyPr>
           <a:lstStyle/>
@@ -8608,12 +8602,12 @@
       </p:sp>
       <p:sp>
         <p:nvSpPr>
-          <p:cNvPr name="Freeform 3" id="3"/>
+          <p:cNvPr id="3" name="Freeform 3"/>
           <p:cNvSpPr/>
           <p:nvPr/>
         </p:nvSpPr>
         <p:spPr>
-          <a:xfrm flipH="false" flipV="false" rot="0">
+          <a:xfrm>
             <a:off x="-296577" y="9505730"/>
             <a:ext cx="5132330" cy="343220"/>
           </a:xfrm>
@@ -8622,9 +8616,9 @@
             <a:gdLst/>
             <a:ahLst/>
             <a:cxnLst/>
-            <a:rect r="r" b="b" t="t" l="l"/>
+            <a:rect l="l" t="t" r="r" b="b"/>
             <a:pathLst>
-              <a:path h="343220" w="5132330">
+              <a:path w="5132330" h="343220">
                 <a:moveTo>
                   <a:pt x="0" y="0"/>
                 </a:moveTo>
@@ -8653,19 +8647,19 @@
               </a:extLst>
             </a:blip>
             <a:stretch>
-              <a:fillRect l="0" t="0" r="0" b="0"/>
+              <a:fillRect/>
             </a:stretch>
           </a:blipFill>
         </p:spPr>
       </p:sp>
       <p:sp>
         <p:nvSpPr>
-          <p:cNvPr name="Freeform 4" id="4"/>
+          <p:cNvPr id="4" name="Freeform 4"/>
           <p:cNvSpPr/>
           <p:nvPr/>
         </p:nvSpPr>
         <p:spPr>
-          <a:xfrm flipH="true" flipV="false" rot="0">
+          <a:xfrm flipH="1">
             <a:off x="13155670" y="364169"/>
             <a:ext cx="5132330" cy="343220"/>
           </a:xfrm>
@@ -8674,9 +8668,9 @@
             <a:gdLst/>
             <a:ahLst/>
             <a:cxnLst/>
-            <a:rect r="r" b="b" t="t" l="l"/>
+            <a:rect l="l" t="t" r="r" b="b"/>
             <a:pathLst>
-              <a:path h="343220" w="5132330">
+              <a:path w="5132330" h="343220">
                 <a:moveTo>
                   <a:pt x="5132330" y="0"/>
                 </a:moveTo>
@@ -8705,19 +8699,19 @@
               </a:extLst>
             </a:blip>
             <a:stretch>
-              <a:fillRect l="0" t="0" r="0" b="0"/>
+              <a:fillRect/>
             </a:stretch>
           </a:blipFill>
         </p:spPr>
       </p:sp>
       <p:sp>
         <p:nvSpPr>
-          <p:cNvPr name="Freeform 5" id="5"/>
+          <p:cNvPr id="5" name="Freeform 5"/>
           <p:cNvSpPr/>
           <p:nvPr/>
         </p:nvSpPr>
         <p:spPr>
-          <a:xfrm flipH="false" flipV="false" rot="0">
+          <a:xfrm>
             <a:off x="-463982" y="-492921"/>
             <a:ext cx="1739438" cy="2057400"/>
           </a:xfrm>
@@ -8726,9 +8720,9 @@
             <a:gdLst/>
             <a:ahLst/>
             <a:cxnLst/>
-            <a:rect r="r" b="b" t="t" l="l"/>
+            <a:rect l="l" t="t" r="r" b="b"/>
             <a:pathLst>
-              <a:path h="2057400" w="1739438">
+              <a:path w="1739438" h="2057400">
                 <a:moveTo>
                   <a:pt x="0" y="0"/>
                 </a:moveTo>
@@ -8757,19 +8751,19 @@
               </a:extLst>
             </a:blip>
             <a:stretch>
-              <a:fillRect l="0" t="0" r="0" b="0"/>
+              <a:fillRect/>
             </a:stretch>
           </a:blipFill>
         </p:spPr>
       </p:sp>
       <p:sp>
         <p:nvSpPr>
-          <p:cNvPr name="TextBox 6" id="6"/>
-          <p:cNvSpPr txBox="true"/>
-          <p:nvPr/>
-        </p:nvSpPr>
-        <p:spPr>
-          <a:xfrm rot="0">
+          <p:cNvPr id="6" name="TextBox 6"/>
+          <p:cNvSpPr txBox="1"/>
+          <p:nvPr/>
+        </p:nvSpPr>
+        <p:spPr>
+          <a:xfrm>
             <a:off x="1114846" y="2765314"/>
             <a:ext cx="16058309" cy="4358640"/>
           </a:xfrm>
@@ -8778,12 +8772,12 @@
           </a:prstGeom>
         </p:spPr>
         <p:txBody>
-          <a:bodyPr anchor="t" rtlCol="false" tIns="0" lIns="0" bIns="0" rIns="0">
+          <a:bodyPr lIns="0" tIns="0" rIns="0" bIns="0" rtlCol="0" anchor="t">
             <a:spAutoFit/>
           </a:bodyPr>
           <a:lstStyle/>
           <a:p>
-            <a:pPr algn="just" marL="647700" indent="-323850" lvl="1">
+            <a:pPr marL="647700" lvl="1" indent="-323850" algn="just">
               <a:lnSpc>
                 <a:spcPts val="7080"/>
               </a:lnSpc>
@@ -8864,7 +8858,7 @@
             </a:r>
           </a:p>
           <a:p>
-            <a:pPr algn="just" marL="647700" indent="-323850" lvl="1">
+            <a:pPr marL="647700" lvl="1" indent="-323850" algn="just">
               <a:lnSpc>
                 <a:spcPts val="7080"/>
               </a:lnSpc>
@@ -8921,7 +8915,7 @@
             </a:r>
           </a:p>
           <a:p>
-            <a:pPr algn="just" marL="647700" indent="-323850" lvl="1">
+            <a:pPr marL="647700" lvl="1" indent="-323850" algn="just">
               <a:lnSpc>
                 <a:spcPts val="7080"/>
               </a:lnSpc>
@@ -8993,12 +8987,12 @@
       </p:sp>
       <p:sp>
         <p:nvSpPr>
-          <p:cNvPr name="Freeform 7" id="7"/>
+          <p:cNvPr id="7" name="Freeform 7"/>
           <p:cNvSpPr/>
           <p:nvPr/>
         </p:nvSpPr>
         <p:spPr>
-          <a:xfrm flipH="false" flipV="false" rot="0">
+          <a:xfrm>
             <a:off x="9372600" y="857250"/>
             <a:ext cx="562439" cy="562439"/>
           </a:xfrm>
@@ -9007,9 +9001,9 @@
             <a:gdLst/>
             <a:ahLst/>
             <a:cxnLst/>
-            <a:rect r="r" b="b" t="t" l="l"/>
+            <a:rect l="l" t="t" r="r" b="b"/>
             <a:pathLst>
-              <a:path h="562439" w="562439">
+              <a:path w="562439" h="562439">
                 <a:moveTo>
                   <a:pt x="0" y="0"/>
                 </a:moveTo>
@@ -9038,7 +9032,7 @@
               </a:extLst>
             </a:blip>
             <a:stretch>
-              <a:fillRect l="0" t="0" r="0" b="0"/>
+              <a:fillRect/>
             </a:stretch>
           </a:blipFill>
         </p:spPr>
@@ -9048,20 +9042,21 @@
   <p:clrMapOvr>
     <a:masterClrMapping/>
   </p:clrMapOvr>
-  <p:transition spd="fast">
-    <p:push dir="l"/>
+  <p:transition>
+    <p:push/>
   </p:transition>
 </p:sld>
 </file>
 
 <file path=ppt/slides/slide8.xml><?xml version="1.0" encoding="utf-8"?>
-<p:sld xmlns:p="http://schemas.openxmlformats.org/presentationml/2006/main" xmlns:a="http://schemas.openxmlformats.org/drawingml/2006/main" xmlns:r="http://schemas.openxmlformats.org/officeDocument/2006/relationships">
+<p:sld xmlns:a="http://schemas.openxmlformats.org/drawingml/2006/main" xmlns:r="http://schemas.openxmlformats.org/officeDocument/2006/relationships" xmlns:p="http://schemas.openxmlformats.org/presentationml/2006/main">
   <p:cSld>
     <p:bg>
       <p:bgPr>
         <a:solidFill>
           <a:srgbClr val="5780C0"/>
         </a:solidFill>
+        <a:effectLst/>
       </p:bgPr>
     </p:bg>
     <p:spTree>
@@ -9080,12 +9075,12 @@
       </p:grpSpPr>
       <p:sp>
         <p:nvSpPr>
-          <p:cNvPr name="TextBox 2" id="2"/>
-          <p:cNvSpPr txBox="true"/>
-          <p:nvPr/>
-        </p:nvSpPr>
-        <p:spPr>
-          <a:xfrm rot="0">
+          <p:cNvPr id="2" name="TextBox 2"/>
+          <p:cNvSpPr txBox="1"/>
+          <p:nvPr/>
+        </p:nvSpPr>
+        <p:spPr>
+          <a:xfrm>
             <a:off x="1275456" y="630761"/>
             <a:ext cx="9794974" cy="870271"/>
           </a:xfrm>
@@ -9094,7 +9089,7 @@
           </a:prstGeom>
         </p:spPr>
         <p:txBody>
-          <a:bodyPr anchor="t" rtlCol="false" tIns="0" lIns="0" bIns="0" rIns="0">
+          <a:bodyPr lIns="0" tIns="0" rIns="0" bIns="0" rtlCol="0" anchor="t">
             <a:spAutoFit/>
           </a:bodyPr>
           <a:lstStyle/>
@@ -9121,12 +9116,12 @@
       </p:sp>
       <p:sp>
         <p:nvSpPr>
-          <p:cNvPr name="Freeform 3" id="3"/>
+          <p:cNvPr id="3" name="Freeform 3"/>
           <p:cNvSpPr/>
           <p:nvPr/>
         </p:nvSpPr>
         <p:spPr>
-          <a:xfrm flipH="false" flipV="false" rot="0">
+          <a:xfrm>
             <a:off x="-296577" y="9505730"/>
             <a:ext cx="5132330" cy="343220"/>
           </a:xfrm>
@@ -9135,9 +9130,9 @@
             <a:gdLst/>
             <a:ahLst/>
             <a:cxnLst/>
-            <a:rect r="r" b="b" t="t" l="l"/>
+            <a:rect l="l" t="t" r="r" b="b"/>
             <a:pathLst>
-              <a:path h="343220" w="5132330">
+              <a:path w="5132330" h="343220">
                 <a:moveTo>
                   <a:pt x="0" y="0"/>
                 </a:moveTo>
@@ -9166,19 +9161,19 @@
               </a:extLst>
             </a:blip>
             <a:stretch>
-              <a:fillRect l="0" t="0" r="0" b="0"/>
+              <a:fillRect/>
             </a:stretch>
           </a:blipFill>
         </p:spPr>
       </p:sp>
       <p:sp>
         <p:nvSpPr>
-          <p:cNvPr name="Freeform 4" id="4"/>
+          <p:cNvPr id="4" name="Freeform 4"/>
           <p:cNvSpPr/>
           <p:nvPr/>
         </p:nvSpPr>
         <p:spPr>
-          <a:xfrm flipH="true" flipV="false" rot="0">
+          <a:xfrm flipH="1">
             <a:off x="13155670" y="364169"/>
             <a:ext cx="5132330" cy="343220"/>
           </a:xfrm>
@@ -9187,9 +9182,9 @@
             <a:gdLst/>
             <a:ahLst/>
             <a:cxnLst/>
-            <a:rect r="r" b="b" t="t" l="l"/>
+            <a:rect l="l" t="t" r="r" b="b"/>
             <a:pathLst>
-              <a:path h="343220" w="5132330">
+              <a:path w="5132330" h="343220">
                 <a:moveTo>
                   <a:pt x="5132330" y="0"/>
                 </a:moveTo>
@@ -9218,19 +9213,19 @@
               </a:extLst>
             </a:blip>
             <a:stretch>
-              <a:fillRect l="0" t="0" r="0" b="0"/>
+              <a:fillRect/>
             </a:stretch>
           </a:blipFill>
         </p:spPr>
       </p:sp>
       <p:sp>
         <p:nvSpPr>
-          <p:cNvPr name="Freeform 5" id="5"/>
+          <p:cNvPr id="5" name="Freeform 5"/>
           <p:cNvSpPr/>
           <p:nvPr/>
         </p:nvSpPr>
         <p:spPr>
-          <a:xfrm flipH="false" flipV="false" rot="0">
+          <a:xfrm>
             <a:off x="-463982" y="-492921"/>
             <a:ext cx="1739438" cy="2057400"/>
           </a:xfrm>
@@ -9239,9 +9234,9 @@
             <a:gdLst/>
             <a:ahLst/>
             <a:cxnLst/>
-            <a:rect r="r" b="b" t="t" l="l"/>
+            <a:rect l="l" t="t" r="r" b="b"/>
             <a:pathLst>
-              <a:path h="2057400" w="1739438">
+              <a:path w="1739438" h="2057400">
                 <a:moveTo>
                   <a:pt x="0" y="0"/>
                 </a:moveTo>
@@ -9270,19 +9265,19 @@
               </a:extLst>
             </a:blip>
             <a:stretch>
-              <a:fillRect l="0" t="0" r="0" b="0"/>
+              <a:fillRect/>
             </a:stretch>
           </a:blipFill>
         </p:spPr>
       </p:sp>
       <p:sp>
         <p:nvSpPr>
-          <p:cNvPr name="TextBox 6" id="6"/>
-          <p:cNvSpPr txBox="true"/>
-          <p:nvPr/>
-        </p:nvSpPr>
-        <p:spPr>
-          <a:xfrm rot="0">
+          <p:cNvPr id="6" name="TextBox 6"/>
+          <p:cNvSpPr txBox="1"/>
+          <p:nvPr/>
+        </p:nvSpPr>
+        <p:spPr>
+          <a:xfrm>
             <a:off x="1028700" y="3114675"/>
             <a:ext cx="16058309" cy="3686175"/>
           </a:xfrm>
@@ -9291,16 +9286,16 @@
           </a:prstGeom>
         </p:spPr>
         <p:txBody>
-          <a:bodyPr anchor="t" rtlCol="false" tIns="0" lIns="0" bIns="0" rIns="0">
+          <a:bodyPr lIns="0" tIns="0" rIns="0" bIns="0" rtlCol="0" anchor="t">
             <a:spAutoFit/>
           </a:bodyPr>
           <a:lstStyle/>
           <a:p>
-            <a:pPr algn="just" marL="647700" indent="-323850" lvl="1">
+            <a:pPr marL="647700" lvl="1" indent="-323850" algn="just">
               <a:lnSpc>
                 <a:spcPts val="7500"/>
               </a:lnSpc>
-              <a:buAutoNum type="arabicPeriod" startAt="1"/>
+              <a:buAutoNum type="arabicPeriod"/>
             </a:pPr>
             <a:r>
               <a:rPr lang="en-US" sz="3000" spc="4">
@@ -9316,11 +9311,11 @@
             </a:r>
           </a:p>
           <a:p>
-            <a:pPr algn="just" marL="647700" indent="-323850" lvl="1">
+            <a:pPr marL="647700" lvl="1" indent="-323850" algn="just">
               <a:lnSpc>
                 <a:spcPts val="7500"/>
               </a:lnSpc>
-              <a:buAutoNum type="arabicPeriod" startAt="1"/>
+              <a:buAutoNum type="arabicPeriod"/>
             </a:pPr>
             <a:r>
               <a:rPr lang="en-US" sz="3000" spc="4">
@@ -9336,11 +9331,11 @@
             </a:r>
           </a:p>
           <a:p>
-            <a:pPr algn="just" marL="647700" indent="-323850" lvl="1">
+            <a:pPr marL="647700" lvl="1" indent="-323850" algn="just">
               <a:lnSpc>
                 <a:spcPts val="7500"/>
               </a:lnSpc>
-              <a:buAutoNum type="arabicPeriod" startAt="1"/>
+              <a:buAutoNum type="arabicPeriod"/>
             </a:pPr>
             <a:r>
               <a:rPr lang="en-US" sz="3000" spc="4">
@@ -9356,11 +9351,11 @@
             </a:r>
           </a:p>
           <a:p>
-            <a:pPr algn="just" marL="647700" indent="-323850" lvl="1">
+            <a:pPr marL="647700" lvl="1" indent="-323850" algn="just">
               <a:lnSpc>
                 <a:spcPts val="7500"/>
               </a:lnSpc>
-              <a:buAutoNum type="arabicPeriod" startAt="1"/>
+              <a:buAutoNum type="arabicPeriod"/>
             </a:pPr>
             <a:r>
               <a:rPr lang="en-US" sz="3000" spc="4">
@@ -9379,12 +9374,12 @@
       </p:sp>
       <p:sp>
         <p:nvSpPr>
-          <p:cNvPr name="Freeform 7" id="7"/>
+          <p:cNvPr id="7" name="Freeform 7"/>
           <p:cNvSpPr/>
           <p:nvPr/>
         </p:nvSpPr>
         <p:spPr>
-          <a:xfrm flipH="false" flipV="false" rot="0">
+          <a:xfrm>
             <a:off x="9620250" y="838200"/>
             <a:ext cx="562439" cy="562439"/>
           </a:xfrm>
@@ -9393,9 +9388,9 @@
             <a:gdLst/>
             <a:ahLst/>
             <a:cxnLst/>
-            <a:rect r="r" b="b" t="t" l="l"/>
+            <a:rect l="l" t="t" r="r" b="b"/>
             <a:pathLst>
-              <a:path h="562439" w="562439">
+              <a:path w="562439" h="562439">
                 <a:moveTo>
                   <a:pt x="0" y="0"/>
                 </a:moveTo>
@@ -9424,7 +9419,7 @@
               </a:extLst>
             </a:blip>
             <a:stretch>
-              <a:fillRect l="0" t="0" r="0" b="0"/>
+              <a:fillRect/>
             </a:stretch>
           </a:blipFill>
         </p:spPr>
@@ -9434,20 +9429,21 @@
   <p:clrMapOvr>
     <a:masterClrMapping/>
   </p:clrMapOvr>
-  <p:transition spd="fast">
+  <p:transition>
     <p:circle/>
   </p:transition>
 </p:sld>
 </file>
 
 <file path=ppt/slides/slide9.xml><?xml version="1.0" encoding="utf-8"?>
-<p:sld xmlns:p="http://schemas.openxmlformats.org/presentationml/2006/main" xmlns:a="http://schemas.openxmlformats.org/drawingml/2006/main" xmlns:r="http://schemas.openxmlformats.org/officeDocument/2006/relationships">
+<p:sld xmlns:a="http://schemas.openxmlformats.org/drawingml/2006/main" xmlns:r="http://schemas.openxmlformats.org/officeDocument/2006/relationships" xmlns:p="http://schemas.openxmlformats.org/presentationml/2006/main">
   <p:cSld>
     <p:bg>
       <p:bgPr>
         <a:solidFill>
           <a:srgbClr val="5780C0"/>
         </a:solidFill>
+        <a:effectLst/>
       </p:bgPr>
     </p:bg>
     <p:spTree>
@@ -9466,12 +9462,12 @@
       </p:grpSpPr>
       <p:sp>
         <p:nvSpPr>
-          <p:cNvPr name="TextBox 2" id="2"/>
-          <p:cNvSpPr txBox="true"/>
-          <p:nvPr/>
-        </p:nvSpPr>
-        <p:spPr>
-          <a:xfrm rot="0">
+          <p:cNvPr id="2" name="TextBox 2"/>
+          <p:cNvSpPr txBox="1"/>
+          <p:nvPr/>
+        </p:nvSpPr>
+        <p:spPr>
+          <a:xfrm>
             <a:off x="3318120" y="3461582"/>
             <a:ext cx="11472911" cy="2550371"/>
           </a:xfrm>
@@ -9480,7 +9476,7 @@
           </a:prstGeom>
         </p:spPr>
         <p:txBody>
-          <a:bodyPr anchor="t" rtlCol="false" tIns="0" lIns="0" bIns="0" rIns="0">
+          <a:bodyPr lIns="0" tIns="0" rIns="0" bIns="0" rtlCol="0" anchor="t">
             <a:spAutoFit/>
           </a:bodyPr>
           <a:lstStyle/>
@@ -9507,12 +9503,12 @@
       </p:sp>
       <p:sp>
         <p:nvSpPr>
-          <p:cNvPr name="TextBox 3" id="3"/>
-          <p:cNvSpPr txBox="true"/>
-          <p:nvPr/>
-        </p:nvSpPr>
-        <p:spPr>
-          <a:xfrm rot="0">
+          <p:cNvPr id="3" name="TextBox 3"/>
+          <p:cNvSpPr txBox="1"/>
+          <p:nvPr/>
+        </p:nvSpPr>
+        <p:spPr>
+          <a:xfrm>
             <a:off x="3407544" y="6038371"/>
             <a:ext cx="11472911" cy="2551328"/>
           </a:xfrm>
@@ -9521,7 +9517,7 @@
           </a:prstGeom>
         </p:spPr>
         <p:txBody>
-          <a:bodyPr anchor="t" rtlCol="false" tIns="0" lIns="0" bIns="0" rIns="0">
+          <a:bodyPr lIns="0" tIns="0" rIns="0" bIns="0" rtlCol="0" anchor="t">
             <a:spAutoFit/>
           </a:bodyPr>
           <a:lstStyle/>
@@ -9548,12 +9544,12 @@
       </p:sp>
       <p:sp>
         <p:nvSpPr>
-          <p:cNvPr name="Freeform 4" id="4"/>
+          <p:cNvPr id="4" name="Freeform 4"/>
           <p:cNvSpPr/>
           <p:nvPr/>
         </p:nvSpPr>
         <p:spPr>
-          <a:xfrm flipH="false" flipV="false" rot="0">
+          <a:xfrm>
             <a:off x="-3140556" y="7441982"/>
             <a:ext cx="8338513" cy="8338513"/>
           </a:xfrm>
@@ -9562,9 +9558,9 @@
             <a:gdLst/>
             <a:ahLst/>
             <a:cxnLst/>
-            <a:rect r="r" b="b" t="t" l="l"/>
+            <a:rect l="l" t="t" r="r" b="b"/>
             <a:pathLst>
-              <a:path h="8338513" w="8338513">
+              <a:path w="8338513" h="8338513">
                 <a:moveTo>
                   <a:pt x="0" y="0"/>
                 </a:moveTo>
@@ -9593,19 +9589,19 @@
               </a:extLst>
             </a:blip>
             <a:stretch>
-              <a:fillRect l="0" t="0" r="0" b="0"/>
+              <a:fillRect/>
             </a:stretch>
           </a:blipFill>
         </p:spPr>
       </p:sp>
       <p:sp>
         <p:nvSpPr>
-          <p:cNvPr name="Freeform 5" id="5"/>
+          <p:cNvPr id="5" name="Freeform 5"/>
           <p:cNvSpPr/>
           <p:nvPr/>
         </p:nvSpPr>
         <p:spPr>
-          <a:xfrm flipH="false" flipV="false" rot="0">
+          <a:xfrm>
             <a:off x="14118744" y="-4807211"/>
             <a:ext cx="8338513" cy="8338513"/>
           </a:xfrm>
@@ -9614,9 +9610,9 @@
             <a:gdLst/>
             <a:ahLst/>
             <a:cxnLst/>
-            <a:rect r="r" b="b" t="t" l="l"/>
+            <a:rect l="l" t="t" r="r" b="b"/>
             <a:pathLst>
-              <a:path h="8338513" w="8338513">
+              <a:path w="8338513" h="8338513">
                 <a:moveTo>
                   <a:pt x="0" y="0"/>
                 </a:moveTo>
@@ -9645,19 +9641,19 @@
               </a:extLst>
             </a:blip>
             <a:stretch>
-              <a:fillRect l="0" t="0" r="0" b="0"/>
+              <a:fillRect/>
             </a:stretch>
           </a:blipFill>
         </p:spPr>
       </p:sp>
       <p:sp>
         <p:nvSpPr>
-          <p:cNvPr name="Freeform 6" id="6"/>
+          <p:cNvPr id="6" name="Freeform 6"/>
           <p:cNvSpPr/>
           <p:nvPr/>
         </p:nvSpPr>
         <p:spPr>
-          <a:xfrm flipH="false" flipV="false" rot="0">
+          <a:xfrm>
             <a:off x="8500299" y="6011953"/>
             <a:ext cx="1287402" cy="1287402"/>
           </a:xfrm>
@@ -9666,9 +9662,9 @@
             <a:gdLst/>
             <a:ahLst/>
             <a:cxnLst/>
-            <a:rect r="r" b="b" t="t" l="l"/>
+            <a:rect l="l" t="t" r="r" b="b"/>
             <a:pathLst>
-              <a:path h="1287402" w="1287402">
+              <a:path w="1287402" h="1287402">
                 <a:moveTo>
                   <a:pt x="0" y="0"/>
                 </a:moveTo>
@@ -9697,19 +9693,19 @@
               </a:extLst>
             </a:blip>
             <a:stretch>
-              <a:fillRect l="0" t="0" r="0" b="0"/>
+              <a:fillRect/>
             </a:stretch>
           </a:blipFill>
         </p:spPr>
       </p:sp>
       <p:sp>
         <p:nvSpPr>
-          <p:cNvPr name="Freeform 7" id="7"/>
+          <p:cNvPr id="7" name="Freeform 7"/>
           <p:cNvSpPr/>
           <p:nvPr/>
         </p:nvSpPr>
         <p:spPr>
-          <a:xfrm flipH="false" flipV="false" rot="0">
+          <a:xfrm>
             <a:off x="12844661" y="4789649"/>
             <a:ext cx="7166068" cy="7113951"/>
           </a:xfrm>
@@ -9718,9 +9714,9 @@
             <a:gdLst/>
             <a:ahLst/>
             <a:cxnLst/>
-            <a:rect r="r" b="b" t="t" l="l"/>
+            <a:rect l="l" t="t" r="r" b="b"/>
             <a:pathLst>
-              <a:path h="7113951" w="7166068">
+              <a:path w="7166068" h="7113951">
                 <a:moveTo>
                   <a:pt x="0" y="0"/>
                 </a:moveTo>
@@ -9749,19 +9745,19 @@
               </a:extLst>
             </a:blip>
             <a:stretch>
-              <a:fillRect l="0" t="0" r="0" b="0"/>
+              <a:fillRect/>
             </a:stretch>
           </a:blipFill>
         </p:spPr>
       </p:sp>
       <p:sp>
         <p:nvSpPr>
-          <p:cNvPr name="Freeform 8" id="8"/>
+          <p:cNvPr id="8" name="Freeform 8"/>
           <p:cNvSpPr/>
           <p:nvPr/>
         </p:nvSpPr>
         <p:spPr>
-          <a:xfrm flipH="false" flipV="false" rot="0">
+          <a:xfrm>
             <a:off x="2659118" y="5281857"/>
             <a:ext cx="1496853" cy="1919043"/>
           </a:xfrm>
@@ -9770,9 +9766,9 @@
             <a:gdLst/>
             <a:ahLst/>
             <a:cxnLst/>
-            <a:rect r="r" b="b" t="t" l="l"/>
+            <a:rect l="l" t="t" r="r" b="b"/>
             <a:pathLst>
-              <a:path h="1919043" w="1496853">
+              <a:path w="1496853" h="1919043">
                 <a:moveTo>
                   <a:pt x="0" y="0"/>
                 </a:moveTo>
@@ -9801,19 +9797,19 @@
               </a:extLst>
             </a:blip>
             <a:stretch>
-              <a:fillRect l="0" t="0" r="0" b="0"/>
+              <a:fillRect/>
             </a:stretch>
           </a:blipFill>
         </p:spPr>
       </p:sp>
       <p:sp>
         <p:nvSpPr>
-          <p:cNvPr name="Freeform 9" id="9"/>
+          <p:cNvPr id="9" name="Freeform 9"/>
           <p:cNvSpPr/>
           <p:nvPr/>
         </p:nvSpPr>
         <p:spPr>
-          <a:xfrm flipH="false" flipV="false" rot="0">
+          <a:xfrm>
             <a:off x="0" y="7970199"/>
             <a:ext cx="2922570" cy="2316801"/>
           </a:xfrm>
@@ -9822,9 +9818,9 @@
             <a:gdLst/>
             <a:ahLst/>
             <a:cxnLst/>
-            <a:rect r="r" b="b" t="t" l="l"/>
+            <a:rect l="l" t="t" r="r" b="b"/>
             <a:pathLst>
-              <a:path h="2316801" w="2922570">
+              <a:path w="2922570" h="2316801">
                 <a:moveTo>
                   <a:pt x="0" y="0"/>
                 </a:moveTo>
@@ -9853,7 +9849,7 @@
               </a:extLst>
             </a:blip>
             <a:stretch>
-              <a:fillRect l="0" t="0" r="0" b="0"/>
+              <a:fillRect/>
             </a:stretch>
           </a:blipFill>
         </p:spPr>
